--- a/results/figures/WTP_measurement.pptx
+++ b/results/figures/WTP_measurement.pptx
@@ -1,13 +1,12 @@
 
 <file path=ppt/presentation.xml><?xml version="1.0" encoding="utf-8"?>
-<p:presentation xmlns:a="http://schemas.openxmlformats.org/drawingml/2006/main" xmlns:r="http://schemas.openxmlformats.org/officeDocument/2006/relationships" xmlns:p="http://schemas.openxmlformats.org/presentationml/2006/main" saveSubsetFonts="1">
+<p:presentation xmlns:a="http://schemas.openxmlformats.org/drawingml/2006/main" xmlns:r="http://schemas.openxmlformats.org/officeDocument/2006/relationships" xmlns:p="http://schemas.openxmlformats.org/presentationml/2006/main" saveSubsetFonts="1" bookmarkIdSeed="2">
   <p:sldMasterIdLst>
     <p:sldMasterId id="2147483648" r:id="rId1"/>
   </p:sldMasterIdLst>
   <p:sldIdLst>
-    <p:sldId id="256" r:id="rId2"/>
-    <p:sldId id="257" r:id="rId3"/>
-    <p:sldId id="258" r:id="rId4"/>
+    <p:sldId id="257" r:id="rId2"/>
+    <p:sldId id="259" r:id="rId3"/>
   </p:sldIdLst>
   <p:sldSz cx="12192000" cy="6858000"/>
   <p:notesSz cx="6858000" cy="9144000"/>
@@ -263,7 +262,7 @@
           <a:p>
             <a:fld id="{B14584A2-B941-49EB-9D2D-6A56C81F0FA5}" type="datetimeFigureOut">
               <a:rPr lang="en-US" smtClean="0"/>
-              <a:t>9/27/2023</a:t>
+              <a:t>2/29/2024</a:t>
             </a:fld>
             <a:endParaRPr lang="en-US"/>
           </a:p>
@@ -463,7 +462,7 @@
           <a:p>
             <a:fld id="{B14584A2-B941-49EB-9D2D-6A56C81F0FA5}" type="datetimeFigureOut">
               <a:rPr lang="en-US" smtClean="0"/>
-              <a:t>9/27/2023</a:t>
+              <a:t>2/29/2024</a:t>
             </a:fld>
             <a:endParaRPr lang="en-US"/>
           </a:p>
@@ -673,7 +672,7 @@
           <a:p>
             <a:fld id="{B14584A2-B941-49EB-9D2D-6A56C81F0FA5}" type="datetimeFigureOut">
               <a:rPr lang="en-US" smtClean="0"/>
-              <a:t>9/27/2023</a:t>
+              <a:t>2/29/2024</a:t>
             </a:fld>
             <a:endParaRPr lang="en-US"/>
           </a:p>
@@ -873,7 +872,7 @@
           <a:p>
             <a:fld id="{B14584A2-B941-49EB-9D2D-6A56C81F0FA5}" type="datetimeFigureOut">
               <a:rPr lang="en-US" smtClean="0"/>
-              <a:t>9/27/2023</a:t>
+              <a:t>2/29/2024</a:t>
             </a:fld>
             <a:endParaRPr lang="en-US"/>
           </a:p>
@@ -1149,7 +1148,7 @@
           <a:p>
             <a:fld id="{B14584A2-B941-49EB-9D2D-6A56C81F0FA5}" type="datetimeFigureOut">
               <a:rPr lang="en-US" smtClean="0"/>
-              <a:t>9/27/2023</a:t>
+              <a:t>2/29/2024</a:t>
             </a:fld>
             <a:endParaRPr lang="en-US"/>
           </a:p>
@@ -1417,7 +1416,7 @@
           <a:p>
             <a:fld id="{B14584A2-B941-49EB-9D2D-6A56C81F0FA5}" type="datetimeFigureOut">
               <a:rPr lang="en-US" smtClean="0"/>
-              <a:t>9/27/2023</a:t>
+              <a:t>2/29/2024</a:t>
             </a:fld>
             <a:endParaRPr lang="en-US"/>
           </a:p>
@@ -1832,7 +1831,7 @@
           <a:p>
             <a:fld id="{B14584A2-B941-49EB-9D2D-6A56C81F0FA5}" type="datetimeFigureOut">
               <a:rPr lang="en-US" smtClean="0"/>
-              <a:t>9/27/2023</a:t>
+              <a:t>2/29/2024</a:t>
             </a:fld>
             <a:endParaRPr lang="en-US"/>
           </a:p>
@@ -1974,7 +1973,7 @@
           <a:p>
             <a:fld id="{B14584A2-B941-49EB-9D2D-6A56C81F0FA5}" type="datetimeFigureOut">
               <a:rPr lang="en-US" smtClean="0"/>
-              <a:t>9/27/2023</a:t>
+              <a:t>2/29/2024</a:t>
             </a:fld>
             <a:endParaRPr lang="en-US"/>
           </a:p>
@@ -2087,7 +2086,7 @@
           <a:p>
             <a:fld id="{B14584A2-B941-49EB-9D2D-6A56C81F0FA5}" type="datetimeFigureOut">
               <a:rPr lang="en-US" smtClean="0"/>
-              <a:t>9/27/2023</a:t>
+              <a:t>2/29/2024</a:t>
             </a:fld>
             <a:endParaRPr lang="en-US"/>
           </a:p>
@@ -2400,7 +2399,7 @@
           <a:p>
             <a:fld id="{B14584A2-B941-49EB-9D2D-6A56C81F0FA5}" type="datetimeFigureOut">
               <a:rPr lang="en-US" smtClean="0"/>
-              <a:t>9/27/2023</a:t>
+              <a:t>2/29/2024</a:t>
             </a:fld>
             <a:endParaRPr lang="en-US"/>
           </a:p>
@@ -2689,7 +2688,7 @@
           <a:p>
             <a:fld id="{B14584A2-B941-49EB-9D2D-6A56C81F0FA5}" type="datetimeFigureOut">
               <a:rPr lang="en-US" smtClean="0"/>
-              <a:t>9/27/2023</a:t>
+              <a:t>2/29/2024</a:t>
             </a:fld>
             <a:endParaRPr lang="en-US"/>
           </a:p>
@@ -2932,7 +2931,7 @@
           <a:p>
             <a:fld id="{B14584A2-B941-49EB-9D2D-6A56C81F0FA5}" type="datetimeFigureOut">
               <a:rPr lang="en-US" smtClean="0"/>
-              <a:t>9/27/2023</a:t>
+              <a:t>2/29/2024</a:t>
             </a:fld>
             <a:endParaRPr lang="en-US"/>
           </a:p>
@@ -3349,60 +3348,165 @@
           <a:chExt cx="0" cy="0"/>
         </a:xfrm>
       </p:grpSpPr>
-      <p:sp>
-        <p:nvSpPr>
-          <p:cNvPr id="2" name="Titel 1">
-            <a:extLst>
-              <a:ext uri="{FF2B5EF4-FFF2-40B4-BE49-F238E27FC236}">
-                <a16:creationId xmlns:a16="http://schemas.microsoft.com/office/drawing/2014/main" id="{8A5E9732-33BA-6160-465B-919541DD25CF}"/>
-              </a:ext>
-            </a:extLst>
-          </p:cNvPr>
-          <p:cNvSpPr>
-            <a:spLocks noGrp="1"/>
-          </p:cNvSpPr>
-          <p:nvPr>
-            <p:ph type="ctrTitle"/>
-          </p:nvPr>
-        </p:nvSpPr>
-        <p:spPr/>
-        <p:txBody>
-          <a:bodyPr/>
+      <p:pic>
+        <p:nvPicPr>
+          <p:cNvPr id="3" name="Grafik 2" descr="Ein Bild, das Text, Screenshot, Schrift, Zahl enthält.&#10;&#10;Automatisch generierte Beschreibung">
+            <a:extLst>
+              <a:ext uri="{FF2B5EF4-FFF2-40B4-BE49-F238E27FC236}">
+                <a16:creationId xmlns:a16="http://schemas.microsoft.com/office/drawing/2014/main" id="{4CD88677-B733-C6C8-5941-426788A2CB11}"/>
+              </a:ext>
+            </a:extLst>
+          </p:cNvPr>
+          <p:cNvPicPr>
+            <a:picLocks noChangeAspect="1"/>
+          </p:cNvPicPr>
+          <p:nvPr/>
+        </p:nvPicPr>
+        <p:blipFill rotWithShape="1">
+          <a:blip r:embed="rId2">
+            <a:extLst>
+              <a:ext uri="{28A0092B-C50C-407E-A947-70E740481C1C}">
+                <a14:useLocalDpi xmlns:a14="http://schemas.microsoft.com/office/drawing/2010/main" val="0"/>
+              </a:ext>
+            </a:extLst>
+          </a:blip>
+          <a:srcRect l="15309" t="5285" r="8978"/>
+          <a:stretch/>
+        </p:blipFill>
+        <p:spPr>
+          <a:xfrm>
+            <a:off x="2328245" y="1645475"/>
+            <a:ext cx="2179250" cy="3960000"/>
+          </a:xfrm>
+          <a:prstGeom prst="rect">
+            <a:avLst/>
+          </a:prstGeom>
+        </p:spPr>
+      </p:pic>
+      <p:sp>
+        <p:nvSpPr>
+          <p:cNvPr id="4" name="Textfeld 3">
+            <a:extLst>
+              <a:ext uri="{FF2B5EF4-FFF2-40B4-BE49-F238E27FC236}">
+                <a16:creationId xmlns:a16="http://schemas.microsoft.com/office/drawing/2014/main" id="{6F7DB587-BEE8-1369-1763-4A6740FED976}"/>
+              </a:ext>
+            </a:extLst>
+          </p:cNvPr>
+          <p:cNvSpPr txBox="1"/>
+          <p:nvPr/>
+        </p:nvSpPr>
+        <p:spPr>
+          <a:xfrm>
+            <a:off x="4530811" y="1249256"/>
+            <a:ext cx="1339394" cy="338554"/>
+          </a:xfrm>
+          <a:prstGeom prst="rect">
+            <a:avLst/>
+          </a:prstGeom>
+          <a:noFill/>
+        </p:spPr>
+        <p:txBody>
+          <a:bodyPr wrap="square" rtlCol="0">
+            <a:spAutoFit/>
+          </a:bodyPr>
           <a:lstStyle/>
           <a:p>
-            <a:endParaRPr lang="en-US"/>
-          </a:p>
-        </p:txBody>
-      </p:sp>
-      <p:sp>
-        <p:nvSpPr>
-          <p:cNvPr id="3" name="Untertitel 2">
-            <a:extLst>
-              <a:ext uri="{FF2B5EF4-FFF2-40B4-BE49-F238E27FC236}">
-                <a16:creationId xmlns:a16="http://schemas.microsoft.com/office/drawing/2014/main" id="{A906A7D3-602E-A846-F174-79F7D4E03CBB}"/>
-              </a:ext>
-            </a:extLst>
-          </p:cNvPr>
-          <p:cNvSpPr>
-            <a:spLocks noGrp="1"/>
-          </p:cNvSpPr>
-          <p:nvPr>
-            <p:ph type="subTitle" idx="1"/>
-          </p:nvPr>
-        </p:nvSpPr>
-        <p:spPr/>
-        <p:txBody>
-          <a:bodyPr/>
+            <a:pPr algn="ctr"/>
+            <a:r>
+              <a:rPr lang="en-US" sz="1600" b="1" dirty="0">
+                <a:latin typeface="Times New Roman" panose="02020603050405020304" pitchFamily="18" charset="0"/>
+                <a:cs typeface="Times New Roman" panose="02020603050405020304" pitchFamily="18" charset="0"/>
+              </a:rPr>
+              <a:t>B </a:t>
+            </a:r>
+            <a:r>
+              <a:rPr lang="en-US" sz="1600" dirty="0">
+                <a:latin typeface="Times New Roman" panose="02020603050405020304" pitchFamily="18" charset="0"/>
+                <a:cs typeface="Times New Roman" panose="02020603050405020304" pitchFamily="18" charset="0"/>
+              </a:rPr>
+              <a:t>Bangladesh</a:t>
+            </a:r>
+          </a:p>
+        </p:txBody>
+      </p:sp>
+      <p:sp>
+        <p:nvSpPr>
+          <p:cNvPr id="7" name="Textfeld 6">
+            <a:extLst>
+              <a:ext uri="{FF2B5EF4-FFF2-40B4-BE49-F238E27FC236}">
+                <a16:creationId xmlns:a16="http://schemas.microsoft.com/office/drawing/2014/main" id="{560B9A27-813E-3093-3EA7-CFDFDC9DD07D}"/>
+              </a:ext>
+            </a:extLst>
+          </p:cNvPr>
+          <p:cNvSpPr txBox="1"/>
+          <p:nvPr/>
+        </p:nvSpPr>
+        <p:spPr>
+          <a:xfrm>
+            <a:off x="2328245" y="1249256"/>
+            <a:ext cx="1876425" cy="338554"/>
+          </a:xfrm>
+          <a:prstGeom prst="rect">
+            <a:avLst/>
+          </a:prstGeom>
+          <a:noFill/>
+        </p:spPr>
+        <p:txBody>
+          <a:bodyPr wrap="square" rtlCol="0">
+            <a:spAutoFit/>
+          </a:bodyPr>
           <a:lstStyle/>
           <a:p>
-            <a:endParaRPr lang="en-US"/>
-          </a:p>
-        </p:txBody>
-      </p:sp>
+            <a:r>
+              <a:rPr lang="en-US" sz="1600" b="1" dirty="0">
+                <a:latin typeface="Times New Roman" panose="02020603050405020304" pitchFamily="18" charset="0"/>
+                <a:cs typeface="Times New Roman" panose="02020603050405020304" pitchFamily="18" charset="0"/>
+              </a:rPr>
+              <a:t>A </a:t>
+            </a:r>
+            <a:r>
+              <a:rPr lang="en-US" sz="1600" dirty="0">
+                <a:latin typeface="Times New Roman" panose="02020603050405020304" pitchFamily="18" charset="0"/>
+                <a:cs typeface="Times New Roman" panose="02020603050405020304" pitchFamily="18" charset="0"/>
+              </a:rPr>
+              <a:t>Solomon Islands</a:t>
+            </a:r>
+          </a:p>
+        </p:txBody>
+      </p:sp>
+      <p:pic>
+        <p:nvPicPr>
+          <p:cNvPr id="15" name="Grafik 14">
+            <a:extLst>
+              <a:ext uri="{FF2B5EF4-FFF2-40B4-BE49-F238E27FC236}">
+                <a16:creationId xmlns:a16="http://schemas.microsoft.com/office/drawing/2014/main" id="{5441648C-9F8B-7E80-B72E-27EEA2898499}"/>
+              </a:ext>
+            </a:extLst>
+          </p:cNvPr>
+          <p:cNvPicPr>
+            <a:picLocks noChangeAspect="1"/>
+          </p:cNvPicPr>
+          <p:nvPr/>
+        </p:nvPicPr>
+        <p:blipFill rotWithShape="1">
+          <a:blip r:embed="rId3"/>
+          <a:srcRect l="16743" t="1047" b="1532"/>
+          <a:stretch/>
+        </p:blipFill>
+        <p:spPr>
+          <a:xfrm>
+            <a:off x="4530811" y="1604286"/>
+            <a:ext cx="2538209" cy="3960000"/>
+          </a:xfrm>
+          <a:prstGeom prst="rect">
+            <a:avLst/>
+          </a:prstGeom>
+        </p:spPr>
+      </p:pic>
     </p:spTree>
     <p:extLst>
       <p:ext uri="{BB962C8B-B14F-4D97-AF65-F5344CB8AC3E}">
-        <p14:creationId xmlns:p14="http://schemas.microsoft.com/office/powerpoint/2010/main" val="4049758457"/>
+        <p14:creationId xmlns:p14="http://schemas.microsoft.com/office/powerpoint/2010/main" val="1801073323"/>
       </p:ext>
     </p:extLst>
   </p:cSld>
@@ -3429,365 +3533,2423 @@
           <a:chExt cx="0" cy="0"/>
         </a:xfrm>
       </p:grpSpPr>
-      <p:pic>
-        <p:nvPicPr>
-          <p:cNvPr id="3" name="Grafik 2" descr="Ein Bild, das Text, Screenshot, Schrift, Zahl enthält.&#10;&#10;Automatisch generierte Beschreibung">
-            <a:extLst>
-              <a:ext uri="{FF2B5EF4-FFF2-40B4-BE49-F238E27FC236}">
-                <a16:creationId xmlns:a16="http://schemas.microsoft.com/office/drawing/2014/main" id="{4CD88677-B733-C6C8-5941-426788A2CB11}"/>
-              </a:ext>
-            </a:extLst>
-          </p:cNvPr>
-          <p:cNvPicPr>
-            <a:picLocks noChangeAspect="1"/>
-          </p:cNvPicPr>
-          <p:nvPr/>
-        </p:nvPicPr>
-        <p:blipFill rotWithShape="1">
-          <a:blip r:embed="rId2">
-            <a:extLst>
-              <a:ext uri="{28A0092B-C50C-407E-A947-70E740481C1C}">
-                <a14:useLocalDpi xmlns:a14="http://schemas.microsoft.com/office/drawing/2010/main" val="0"/>
-              </a:ext>
-            </a:extLst>
-          </a:blip>
-          <a:srcRect l="15309" t="5285" r="8978"/>
-          <a:stretch/>
-        </p:blipFill>
-        <p:spPr>
-          <a:xfrm>
-            <a:off x="2328246" y="1629000"/>
-            <a:ext cx="1876425" cy="3409725"/>
-          </a:xfrm>
-          <a:prstGeom prst="rect">
-            <a:avLst/>
-          </a:prstGeom>
-        </p:spPr>
-      </p:pic>
-      <p:sp>
-        <p:nvSpPr>
-          <p:cNvPr id="4" name="Textfeld 3">
-            <a:extLst>
-              <a:ext uri="{FF2B5EF4-FFF2-40B4-BE49-F238E27FC236}">
-                <a16:creationId xmlns:a16="http://schemas.microsoft.com/office/drawing/2014/main" id="{6F7DB587-BEE8-1369-1763-4A6740FED976}"/>
-              </a:ext>
-            </a:extLst>
-          </p:cNvPr>
-          <p:cNvSpPr txBox="1"/>
-          <p:nvPr/>
-        </p:nvSpPr>
-        <p:spPr>
-          <a:xfrm>
-            <a:off x="4221147" y="1249256"/>
-            <a:ext cx="4320540" cy="338554"/>
-          </a:xfrm>
-          <a:prstGeom prst="rect">
-            <a:avLst/>
-          </a:prstGeom>
-          <a:noFill/>
-        </p:spPr>
-        <p:txBody>
-          <a:bodyPr wrap="square" rtlCol="0">
-            <a:spAutoFit/>
-          </a:bodyPr>
-          <a:lstStyle/>
-          <a:p>
-            <a:pPr algn="ctr"/>
-            <a:r>
-              <a:rPr lang="en-US" sz="1600" b="1" dirty="0">
-                <a:latin typeface="Times New Roman" panose="02020603050405020304" pitchFamily="18" charset="0"/>
-                <a:cs typeface="Times New Roman" panose="02020603050405020304" pitchFamily="18" charset="0"/>
-              </a:rPr>
-              <a:t>B: </a:t>
-            </a:r>
-            <a:r>
-              <a:rPr lang="en-US" sz="1600" dirty="0">
-                <a:latin typeface="Times New Roman" panose="02020603050405020304" pitchFamily="18" charset="0"/>
-                <a:cs typeface="Times New Roman" panose="02020603050405020304" pitchFamily="18" charset="0"/>
-              </a:rPr>
-              <a:t>WTP distribution</a:t>
-            </a:r>
-          </a:p>
-        </p:txBody>
-      </p:sp>
-      <p:sp>
-        <p:nvSpPr>
-          <p:cNvPr id="7" name="Textfeld 6">
-            <a:extLst>
-              <a:ext uri="{FF2B5EF4-FFF2-40B4-BE49-F238E27FC236}">
-                <a16:creationId xmlns:a16="http://schemas.microsoft.com/office/drawing/2014/main" id="{560B9A27-813E-3093-3EA7-CFDFDC9DD07D}"/>
-              </a:ext>
-            </a:extLst>
-          </p:cNvPr>
-          <p:cNvSpPr txBox="1"/>
-          <p:nvPr/>
-        </p:nvSpPr>
-        <p:spPr>
-          <a:xfrm>
-            <a:off x="2344722" y="1249256"/>
-            <a:ext cx="1876425" cy="338554"/>
-          </a:xfrm>
-          <a:prstGeom prst="rect">
-            <a:avLst/>
-          </a:prstGeom>
-          <a:noFill/>
-        </p:spPr>
-        <p:txBody>
-          <a:bodyPr wrap="square" rtlCol="0">
-            <a:spAutoFit/>
-          </a:bodyPr>
-          <a:lstStyle/>
-          <a:p>
-            <a:r>
-              <a:rPr lang="en-US" sz="1600" b="1" dirty="0">
-                <a:latin typeface="Times New Roman" panose="02020603050405020304" pitchFamily="18" charset="0"/>
-                <a:cs typeface="Times New Roman" panose="02020603050405020304" pitchFamily="18" charset="0"/>
-              </a:rPr>
-              <a:t>A: </a:t>
-            </a:r>
-            <a:r>
-              <a:rPr lang="en-US" sz="1600" dirty="0">
-                <a:latin typeface="Times New Roman" panose="02020603050405020304" pitchFamily="18" charset="0"/>
-                <a:cs typeface="Times New Roman" panose="02020603050405020304" pitchFamily="18" charset="0"/>
-              </a:rPr>
-              <a:t>Payment Card</a:t>
-            </a:r>
-          </a:p>
-        </p:txBody>
-      </p:sp>
-      <p:pic>
-        <p:nvPicPr>
-          <p:cNvPr id="9" name="Grafik 8" descr="Ein Bild, das Text, Screenshot, Diagramm, Reihe enthält.&#10;&#10;Automatisch generierte Beschreibung">
-            <a:extLst>
-              <a:ext uri="{FF2B5EF4-FFF2-40B4-BE49-F238E27FC236}">
-                <a16:creationId xmlns:a16="http://schemas.microsoft.com/office/drawing/2014/main" id="{586FB5B4-AE8B-43FE-D790-296622A3614B}"/>
-              </a:ext>
-            </a:extLst>
-          </p:cNvPr>
-          <p:cNvPicPr>
-            <a:picLocks noChangeAspect="1"/>
-          </p:cNvPicPr>
-          <p:nvPr/>
-        </p:nvPicPr>
-        <p:blipFill>
-          <a:blip r:embed="rId3">
-            <a:extLst>
-              <a:ext uri="{28A0092B-C50C-407E-A947-70E740481C1C}">
-                <a14:useLocalDpi xmlns:a14="http://schemas.microsoft.com/office/drawing/2010/main" val="0"/>
-              </a:ext>
-            </a:extLst>
-          </a:blip>
-          <a:stretch>
-            <a:fillRect/>
-          </a:stretch>
-        </p:blipFill>
-        <p:spPr>
-          <a:xfrm>
-            <a:off x="4237623" y="1874901"/>
-            <a:ext cx="4320540" cy="3163824"/>
-          </a:xfrm>
-          <a:prstGeom prst="rect">
-            <a:avLst/>
-          </a:prstGeom>
-        </p:spPr>
-      </p:pic>
+      <p:graphicFrame>
+        <p:nvGraphicFramePr>
+          <p:cNvPr id="2" name="Tabelle 1">
+            <a:extLst>
+              <a:ext uri="{FF2B5EF4-FFF2-40B4-BE49-F238E27FC236}">
+                <a16:creationId xmlns:a16="http://schemas.microsoft.com/office/drawing/2014/main" id="{4E79B3CB-39E2-E744-76A9-92D14C94DB18}"/>
+              </a:ext>
+            </a:extLst>
+          </p:cNvPr>
+          <p:cNvGraphicFramePr>
+            <a:graphicFrameLocks noGrp="1"/>
+          </p:cNvGraphicFramePr>
+          <p:nvPr>
+            <p:extLst>
+              <p:ext uri="{D42A27DB-BD31-4B8C-83A1-F6EECF244321}">
+                <p14:modId xmlns:p14="http://schemas.microsoft.com/office/powerpoint/2010/main" val="2505709593"/>
+              </p:ext>
+            </p:extLst>
+          </p:nvPr>
+        </p:nvGraphicFramePr>
+        <p:xfrm>
+          <a:off x="7990703" y="1587810"/>
+          <a:ext cx="3130378" cy="4086217"/>
+        </p:xfrm>
+        <a:graphic>
+          <a:graphicData uri="http://schemas.openxmlformats.org/drawingml/2006/table">
+            <a:tbl>
+              <a:tblPr bandRow="1"/>
+              <a:tblGrid>
+                <a:gridCol w="1545537">
+                  <a:extLst>
+                    <a:ext uri="{9D8B030D-6E8A-4147-A177-3AD203B41FA5}">
+                      <a16:colId xmlns:a16="http://schemas.microsoft.com/office/drawing/2014/main" val="4009808592"/>
+                    </a:ext>
+                  </a:extLst>
+                </a:gridCol>
+                <a:gridCol w="1584841">
+                  <a:extLst>
+                    <a:ext uri="{9D8B030D-6E8A-4147-A177-3AD203B41FA5}">
+                      <a16:colId xmlns:a16="http://schemas.microsoft.com/office/drawing/2014/main" val="667047965"/>
+                    </a:ext>
+                  </a:extLst>
+                </a:gridCol>
+              </a:tblGrid>
+              <a:tr h="395640">
+                <a:tc gridSpan="2">
+                  <a:txBody>
+                    <a:bodyPr/>
+                    <a:lstStyle/>
+                    <a:p>
+                      <a:pPr algn="ctr">
+                        <a:lnSpc>
+                          <a:spcPct val="100000"/>
+                        </a:lnSpc>
+                        <a:spcAft>
+                          <a:spcPts val="0"/>
+                        </a:spcAft>
+                      </a:pPr>
+                      <a:r>
+                        <a:rPr lang="en-US" sz="1000" b="0" i="0" dirty="0">
+                          <a:effectLst/>
+                          <a:latin typeface="Arial" panose="020B0604020202020204" pitchFamily="34" charset="0"/>
+                          <a:ea typeface="Calibri" panose="020F0502020204030204" pitchFamily="34" charset="0"/>
+                          <a:cs typeface="Arial" panose="020B0604020202020204" pitchFamily="34" charset="0"/>
+                        </a:rPr>
+                        <a:t>One-time payment today</a:t>
+                      </a:r>
+                    </a:p>
+                    <a:p>
+                      <a:pPr algn="ctr">
+                        <a:lnSpc>
+                          <a:spcPct val="100000"/>
+                        </a:lnSpc>
+                        <a:spcAft>
+                          <a:spcPts val="0"/>
+                        </a:spcAft>
+                      </a:pPr>
+                      <a:r>
+                        <a:rPr lang="en-US" sz="1000" b="0" i="0" dirty="0">
+                          <a:effectLst/>
+                          <a:latin typeface="Arial" panose="020B0604020202020204" pitchFamily="34" charset="0"/>
+                          <a:ea typeface="Calibri" panose="020F0502020204030204" pitchFamily="34" charset="0"/>
+                          <a:cs typeface="Arial" panose="020B0604020202020204" pitchFamily="34" charset="0"/>
+                        </a:rPr>
+                        <a:t>(in BDT)</a:t>
+                      </a:r>
+                    </a:p>
+                  </a:txBody>
+                  <a:tcPr marL="58831" marR="58831" marT="0" marB="0">
+                    <a:lnL w="12700" cap="flat" cmpd="sng" algn="ctr">
+                      <a:noFill/>
+                      <a:prstDash val="solid"/>
+                      <a:round/>
+                      <a:headEnd type="none" w="med" len="med"/>
+                      <a:tailEnd type="none" w="med" len="med"/>
+                    </a:lnL>
+                    <a:lnR w="12700" cap="flat" cmpd="sng" algn="ctr">
+                      <a:noFill/>
+                      <a:prstDash val="solid"/>
+                      <a:round/>
+                      <a:headEnd type="none" w="med" len="med"/>
+                      <a:tailEnd type="none" w="med" len="med"/>
+                    </a:lnR>
+                    <a:lnT w="12700" cap="flat" cmpd="sng" algn="ctr">
+                      <a:noFill/>
+                      <a:prstDash val="solid"/>
+                      <a:round/>
+                      <a:headEnd type="none" w="med" len="med"/>
+                      <a:tailEnd type="none" w="med" len="med"/>
+                    </a:lnT>
+                    <a:lnB w="12700" cap="flat" cmpd="sng" algn="ctr">
+                      <a:solidFill>
+                        <a:schemeClr val="tx1"/>
+                      </a:solidFill>
+                      <a:prstDash val="solid"/>
+                      <a:round/>
+                      <a:headEnd type="none" w="med" len="med"/>
+                      <a:tailEnd type="none" w="med" len="med"/>
+                    </a:lnB>
+                    <a:lnTlToBr w="12700" cmpd="sng">
+                      <a:noFill/>
+                      <a:prstDash val="solid"/>
+                    </a:lnTlToBr>
+                    <a:lnBlToTr w="12700" cmpd="sng">
+                      <a:noFill/>
+                      <a:prstDash val="solid"/>
+                    </a:lnBlToTr>
+                    <a:noFill/>
+                  </a:tcPr>
+                </a:tc>
+                <a:tc hMerge="1">
+                  <a:txBody>
+                    <a:bodyPr/>
+                    <a:lstStyle/>
+                    <a:p>
+                      <a:endParaRPr lang="en-US"/>
+                    </a:p>
+                  </a:txBody>
+                  <a:tcPr/>
+                </a:tc>
+                <a:extLst>
+                  <a:ext uri="{0D108BD9-81ED-4DB2-BD59-A6C34878D82A}">
+                    <a16:rowId xmlns:a16="http://schemas.microsoft.com/office/drawing/2014/main" val="1701946015"/>
+                  </a:ext>
+                </a:extLst>
+              </a:tr>
+              <a:tr h="168323">
+                <a:tc>
+                  <a:txBody>
+                    <a:bodyPr/>
+                    <a:lstStyle/>
+                    <a:p>
+                      <a:pPr algn="r">
+                        <a:lnSpc>
+                          <a:spcPct val="100000"/>
+                        </a:lnSpc>
+                        <a:spcAft>
+                          <a:spcPts val="0"/>
+                        </a:spcAft>
+                      </a:pPr>
+                      <a:r>
+                        <a:rPr lang="en-US" sz="1000" b="0" i="0" dirty="0">
+                          <a:effectLst/>
+                          <a:latin typeface="Arial" panose="020B0604020202020204" pitchFamily="34" charset="0"/>
+                          <a:ea typeface="Calibri" panose="020F0502020204030204" pitchFamily="34" charset="0"/>
+                          <a:cs typeface="Arial" panose="020B0604020202020204" pitchFamily="34" charset="0"/>
+                        </a:rPr>
+                        <a:t>0</a:t>
+                      </a:r>
+                    </a:p>
+                  </a:txBody>
+                  <a:tcPr marL="58831" marR="58831" marT="0" marB="0" anchor="ctr">
+                    <a:lnL w="12700" cap="flat" cmpd="sng" algn="ctr">
+                      <a:noFill/>
+                      <a:prstDash val="solid"/>
+                      <a:round/>
+                      <a:headEnd type="none" w="med" len="med"/>
+                      <a:tailEnd type="none" w="med" len="med"/>
+                    </a:lnL>
+                    <a:lnR>
+                      <a:noFill/>
+                    </a:lnR>
+                    <a:lnT w="12700" cap="flat" cmpd="sng" algn="ctr">
+                      <a:solidFill>
+                        <a:schemeClr val="tx1"/>
+                      </a:solidFill>
+                      <a:prstDash val="solid"/>
+                      <a:round/>
+                      <a:headEnd type="none" w="med" len="med"/>
+                      <a:tailEnd type="none" w="med" len="med"/>
+                    </a:lnT>
+                    <a:lnB>
+                      <a:noFill/>
+                    </a:lnB>
+                    <a:lnTlToBr w="12700" cmpd="sng">
+                      <a:noFill/>
+                      <a:prstDash val="solid"/>
+                    </a:lnTlToBr>
+                    <a:lnBlToTr w="12700" cmpd="sng">
+                      <a:noFill/>
+                      <a:prstDash val="solid"/>
+                    </a:lnBlToTr>
+                    <a:noFill/>
+                  </a:tcPr>
+                </a:tc>
+                <a:tc>
+                  <a:txBody>
+                    <a:bodyPr/>
+                    <a:lstStyle/>
+                    <a:p>
+                      <a:pPr algn="ctr">
+                        <a:lnSpc>
+                          <a:spcPct val="100000"/>
+                        </a:lnSpc>
+                        <a:spcAft>
+                          <a:spcPts val="0"/>
+                        </a:spcAft>
+                      </a:pPr>
+                      <a:r>
+                        <a:rPr lang="en-US" sz="1000" b="0" i="0" dirty="0">
+                          <a:effectLst/>
+                          <a:latin typeface="Arial" panose="020B0604020202020204" pitchFamily="34" charset="0"/>
+                          <a:ea typeface="Calibri" panose="020F0502020204030204" pitchFamily="34" charset="0"/>
+                          <a:cs typeface="Arial" panose="020B0604020202020204" pitchFamily="34" charset="0"/>
+                        </a:rPr>
+                        <a:t> </a:t>
+                      </a:r>
+                    </a:p>
+                  </a:txBody>
+                  <a:tcPr marL="58831" marR="58831" marT="0" marB="0">
+                    <a:lnL>
+                      <a:noFill/>
+                    </a:lnL>
+                    <a:lnR w="12700" cap="flat" cmpd="sng" algn="ctr">
+                      <a:noFill/>
+                      <a:prstDash val="solid"/>
+                      <a:round/>
+                      <a:headEnd type="none" w="med" len="med"/>
+                      <a:tailEnd type="none" w="med" len="med"/>
+                    </a:lnR>
+                    <a:lnT w="12700" cap="flat" cmpd="sng" algn="ctr">
+                      <a:solidFill>
+                        <a:schemeClr val="tx1"/>
+                      </a:solidFill>
+                      <a:prstDash val="solid"/>
+                      <a:round/>
+                      <a:headEnd type="none" w="med" len="med"/>
+                      <a:tailEnd type="none" w="med" len="med"/>
+                    </a:lnT>
+                    <a:lnB>
+                      <a:noFill/>
+                    </a:lnB>
+                    <a:lnTlToBr w="12700" cmpd="sng">
+                      <a:noFill/>
+                      <a:prstDash val="solid"/>
+                    </a:lnTlToBr>
+                    <a:lnBlToTr w="12700" cmpd="sng">
+                      <a:noFill/>
+                      <a:prstDash val="solid"/>
+                    </a:lnBlToTr>
+                    <a:noFill/>
+                  </a:tcPr>
+                </a:tc>
+                <a:extLst>
+                  <a:ext uri="{0D108BD9-81ED-4DB2-BD59-A6C34878D82A}">
+                    <a16:rowId xmlns:a16="http://schemas.microsoft.com/office/drawing/2014/main" val="3185634549"/>
+                  </a:ext>
+                </a:extLst>
+              </a:tr>
+              <a:tr h="168323">
+                <a:tc>
+                  <a:txBody>
+                    <a:bodyPr/>
+                    <a:lstStyle/>
+                    <a:p>
+                      <a:pPr algn="r">
+                        <a:lnSpc>
+                          <a:spcPct val="100000"/>
+                        </a:lnSpc>
+                        <a:spcAft>
+                          <a:spcPts val="0"/>
+                        </a:spcAft>
+                      </a:pPr>
+                      <a:r>
+                        <a:rPr lang="en-US" sz="1000" b="0" i="0" dirty="0">
+                          <a:effectLst/>
+                          <a:latin typeface="Arial" panose="020B0604020202020204" pitchFamily="34" charset="0"/>
+                          <a:ea typeface="Calibri" panose="020F0502020204030204" pitchFamily="34" charset="0"/>
+                          <a:cs typeface="Arial" panose="020B0604020202020204" pitchFamily="34" charset="0"/>
+                        </a:rPr>
+                        <a:t>20</a:t>
+                      </a:r>
+                    </a:p>
+                  </a:txBody>
+                  <a:tcPr marL="58831" marR="58831" marT="0" marB="0" anchor="ctr">
+                    <a:lnL w="12700" cap="flat" cmpd="sng" algn="ctr">
+                      <a:noFill/>
+                      <a:prstDash val="solid"/>
+                      <a:round/>
+                      <a:headEnd type="none" w="med" len="med"/>
+                      <a:tailEnd type="none" w="med" len="med"/>
+                    </a:lnL>
+                    <a:lnR>
+                      <a:noFill/>
+                    </a:lnR>
+                    <a:lnT>
+                      <a:noFill/>
+                    </a:lnT>
+                    <a:lnB>
+                      <a:noFill/>
+                    </a:lnB>
+                    <a:lnTlToBr w="12700" cmpd="sng">
+                      <a:noFill/>
+                      <a:prstDash val="solid"/>
+                    </a:lnTlToBr>
+                    <a:lnBlToTr w="12700" cmpd="sng">
+                      <a:noFill/>
+                      <a:prstDash val="solid"/>
+                    </a:lnBlToTr>
+                    <a:noFill/>
+                  </a:tcPr>
+                </a:tc>
+                <a:tc>
+                  <a:txBody>
+                    <a:bodyPr/>
+                    <a:lstStyle/>
+                    <a:p>
+                      <a:pPr>
+                        <a:lnSpc>
+                          <a:spcPct val="100000"/>
+                        </a:lnSpc>
+                        <a:spcAft>
+                          <a:spcPts val="0"/>
+                        </a:spcAft>
+                      </a:pPr>
+                      <a:r>
+                        <a:rPr lang="en-US" sz="1000" b="0" i="0">
+                          <a:effectLst/>
+                          <a:latin typeface="Arial" panose="020B0604020202020204" pitchFamily="34" charset="0"/>
+                          <a:ea typeface="Calibri" panose="020F0502020204030204" pitchFamily="34" charset="0"/>
+                          <a:cs typeface="Arial" panose="020B0604020202020204" pitchFamily="34" charset="0"/>
+                        </a:rPr>
+                        <a:t> </a:t>
+                      </a:r>
+                    </a:p>
+                  </a:txBody>
+                  <a:tcPr marL="58831" marR="58831" marT="0" marB="0">
+                    <a:lnL>
+                      <a:noFill/>
+                    </a:lnL>
+                    <a:lnR w="12700" cap="flat" cmpd="sng" algn="ctr">
+                      <a:noFill/>
+                      <a:prstDash val="solid"/>
+                      <a:round/>
+                      <a:headEnd type="none" w="med" len="med"/>
+                      <a:tailEnd type="none" w="med" len="med"/>
+                    </a:lnR>
+                    <a:lnT>
+                      <a:noFill/>
+                    </a:lnT>
+                    <a:lnB>
+                      <a:noFill/>
+                    </a:lnB>
+                    <a:lnTlToBr w="12700" cmpd="sng">
+                      <a:noFill/>
+                      <a:prstDash val="solid"/>
+                    </a:lnTlToBr>
+                    <a:lnBlToTr w="12700" cmpd="sng">
+                      <a:noFill/>
+                      <a:prstDash val="solid"/>
+                    </a:lnBlToTr>
+                    <a:noFill/>
+                  </a:tcPr>
+                </a:tc>
+                <a:extLst>
+                  <a:ext uri="{0D108BD9-81ED-4DB2-BD59-A6C34878D82A}">
+                    <a16:rowId xmlns:a16="http://schemas.microsoft.com/office/drawing/2014/main" val="4152902953"/>
+                  </a:ext>
+                </a:extLst>
+              </a:tr>
+              <a:tr h="168323">
+                <a:tc>
+                  <a:txBody>
+                    <a:bodyPr/>
+                    <a:lstStyle/>
+                    <a:p>
+                      <a:pPr algn="r">
+                        <a:lnSpc>
+                          <a:spcPct val="100000"/>
+                        </a:lnSpc>
+                        <a:spcAft>
+                          <a:spcPts val="0"/>
+                        </a:spcAft>
+                      </a:pPr>
+                      <a:r>
+                        <a:rPr lang="en-US" sz="1000" b="0" i="0">
+                          <a:effectLst/>
+                          <a:latin typeface="Arial" panose="020B0604020202020204" pitchFamily="34" charset="0"/>
+                          <a:ea typeface="Calibri" panose="020F0502020204030204" pitchFamily="34" charset="0"/>
+                          <a:cs typeface="Arial" panose="020B0604020202020204" pitchFamily="34" charset="0"/>
+                        </a:rPr>
+                        <a:t>40</a:t>
+                      </a:r>
+                      <a:endParaRPr lang="en-US" sz="1000" b="0" i="0" dirty="0">
+                        <a:effectLst/>
+                        <a:latin typeface="Arial" panose="020B0604020202020204" pitchFamily="34" charset="0"/>
+                        <a:ea typeface="Calibri" panose="020F0502020204030204" pitchFamily="34" charset="0"/>
+                        <a:cs typeface="Arial" panose="020B0604020202020204" pitchFamily="34" charset="0"/>
+                      </a:endParaRPr>
+                    </a:p>
+                  </a:txBody>
+                  <a:tcPr marL="58831" marR="58831" marT="0" marB="0" anchor="ctr">
+                    <a:lnL w="12700" cap="flat" cmpd="sng" algn="ctr">
+                      <a:noFill/>
+                      <a:prstDash val="solid"/>
+                      <a:round/>
+                      <a:headEnd type="none" w="med" len="med"/>
+                      <a:tailEnd type="none" w="med" len="med"/>
+                    </a:lnL>
+                    <a:lnR>
+                      <a:noFill/>
+                    </a:lnR>
+                    <a:lnT>
+                      <a:noFill/>
+                    </a:lnT>
+                    <a:lnB>
+                      <a:noFill/>
+                    </a:lnB>
+                    <a:lnTlToBr w="12700" cmpd="sng">
+                      <a:noFill/>
+                      <a:prstDash val="solid"/>
+                    </a:lnTlToBr>
+                    <a:lnBlToTr w="12700" cmpd="sng">
+                      <a:noFill/>
+                      <a:prstDash val="solid"/>
+                    </a:lnBlToTr>
+                    <a:noFill/>
+                  </a:tcPr>
+                </a:tc>
+                <a:tc>
+                  <a:txBody>
+                    <a:bodyPr/>
+                    <a:lstStyle/>
+                    <a:p>
+                      <a:pPr algn="ctr">
+                        <a:lnSpc>
+                          <a:spcPct val="100000"/>
+                        </a:lnSpc>
+                        <a:spcAft>
+                          <a:spcPts val="0"/>
+                        </a:spcAft>
+                      </a:pPr>
+                      <a:r>
+                        <a:rPr lang="en-US" sz="1000" b="0" i="0" dirty="0">
+                          <a:effectLst/>
+                          <a:latin typeface="Arial" panose="020B0604020202020204" pitchFamily="34" charset="0"/>
+                          <a:ea typeface="Calibri" panose="020F0502020204030204" pitchFamily="34" charset="0"/>
+                          <a:cs typeface="Arial" panose="020B0604020202020204" pitchFamily="34" charset="0"/>
+                        </a:rPr>
+                        <a:t> </a:t>
+                      </a:r>
+                    </a:p>
+                  </a:txBody>
+                  <a:tcPr marL="58831" marR="58831" marT="0" marB="0">
+                    <a:lnL>
+                      <a:noFill/>
+                    </a:lnL>
+                    <a:lnR w="12700" cap="flat" cmpd="sng" algn="ctr">
+                      <a:noFill/>
+                      <a:prstDash val="solid"/>
+                      <a:round/>
+                      <a:headEnd type="none" w="med" len="med"/>
+                      <a:tailEnd type="none" w="med" len="med"/>
+                    </a:lnR>
+                    <a:lnT>
+                      <a:noFill/>
+                    </a:lnT>
+                    <a:lnB>
+                      <a:noFill/>
+                    </a:lnB>
+                    <a:lnTlToBr w="12700" cmpd="sng">
+                      <a:noFill/>
+                      <a:prstDash val="solid"/>
+                    </a:lnTlToBr>
+                    <a:lnBlToTr w="12700" cmpd="sng">
+                      <a:noFill/>
+                      <a:prstDash val="solid"/>
+                    </a:lnBlToTr>
+                    <a:noFill/>
+                  </a:tcPr>
+                </a:tc>
+                <a:extLst>
+                  <a:ext uri="{0D108BD9-81ED-4DB2-BD59-A6C34878D82A}">
+                    <a16:rowId xmlns:a16="http://schemas.microsoft.com/office/drawing/2014/main" val="3721103413"/>
+                  </a:ext>
+                </a:extLst>
+              </a:tr>
+              <a:tr h="168323">
+                <a:tc>
+                  <a:txBody>
+                    <a:bodyPr/>
+                    <a:lstStyle/>
+                    <a:p>
+                      <a:pPr algn="r">
+                        <a:lnSpc>
+                          <a:spcPct val="100000"/>
+                        </a:lnSpc>
+                        <a:spcAft>
+                          <a:spcPts val="0"/>
+                        </a:spcAft>
+                      </a:pPr>
+                      <a:r>
+                        <a:rPr lang="en-US" sz="1000" b="0" i="0">
+                          <a:effectLst/>
+                          <a:latin typeface="Arial" panose="020B0604020202020204" pitchFamily="34" charset="0"/>
+                          <a:ea typeface="Calibri" panose="020F0502020204030204" pitchFamily="34" charset="0"/>
+                          <a:cs typeface="Arial" panose="020B0604020202020204" pitchFamily="34" charset="0"/>
+                        </a:rPr>
+                        <a:t>60</a:t>
+                      </a:r>
+                    </a:p>
+                  </a:txBody>
+                  <a:tcPr marL="58831" marR="58831" marT="0" marB="0" anchor="ctr">
+                    <a:lnL w="12700" cap="flat" cmpd="sng" algn="ctr">
+                      <a:noFill/>
+                      <a:prstDash val="solid"/>
+                      <a:round/>
+                      <a:headEnd type="none" w="med" len="med"/>
+                      <a:tailEnd type="none" w="med" len="med"/>
+                    </a:lnL>
+                    <a:lnR>
+                      <a:noFill/>
+                    </a:lnR>
+                    <a:lnT>
+                      <a:noFill/>
+                    </a:lnT>
+                    <a:lnB>
+                      <a:noFill/>
+                    </a:lnB>
+                    <a:lnTlToBr w="12700" cmpd="sng">
+                      <a:noFill/>
+                      <a:prstDash val="solid"/>
+                    </a:lnTlToBr>
+                    <a:lnBlToTr w="12700" cmpd="sng">
+                      <a:noFill/>
+                      <a:prstDash val="solid"/>
+                    </a:lnBlToTr>
+                    <a:noFill/>
+                  </a:tcPr>
+                </a:tc>
+                <a:tc>
+                  <a:txBody>
+                    <a:bodyPr/>
+                    <a:lstStyle/>
+                    <a:p>
+                      <a:pPr>
+                        <a:lnSpc>
+                          <a:spcPct val="100000"/>
+                        </a:lnSpc>
+                        <a:spcAft>
+                          <a:spcPts val="0"/>
+                        </a:spcAft>
+                      </a:pPr>
+                      <a:r>
+                        <a:rPr lang="en-US" sz="1000" b="0" i="0" dirty="0">
+                          <a:effectLst/>
+                          <a:latin typeface="Arial" panose="020B0604020202020204" pitchFamily="34" charset="0"/>
+                          <a:ea typeface="Calibri" panose="020F0502020204030204" pitchFamily="34" charset="0"/>
+                          <a:cs typeface="Arial" panose="020B0604020202020204" pitchFamily="34" charset="0"/>
+                        </a:rPr>
+                        <a:t>1kg Rice</a:t>
+                      </a:r>
+                    </a:p>
+                  </a:txBody>
+                  <a:tcPr marL="58831" marR="58831" marT="0" marB="0">
+                    <a:lnL>
+                      <a:noFill/>
+                    </a:lnL>
+                    <a:lnR w="12700" cap="flat" cmpd="sng" algn="ctr">
+                      <a:noFill/>
+                      <a:prstDash val="solid"/>
+                      <a:round/>
+                      <a:headEnd type="none" w="med" len="med"/>
+                      <a:tailEnd type="none" w="med" len="med"/>
+                    </a:lnR>
+                    <a:lnT>
+                      <a:noFill/>
+                    </a:lnT>
+                    <a:lnB>
+                      <a:noFill/>
+                    </a:lnB>
+                    <a:lnTlToBr w="12700" cmpd="sng">
+                      <a:noFill/>
+                      <a:prstDash val="solid"/>
+                    </a:lnTlToBr>
+                    <a:lnBlToTr w="12700" cmpd="sng">
+                      <a:noFill/>
+                      <a:prstDash val="solid"/>
+                    </a:lnBlToTr>
+                    <a:noFill/>
+                  </a:tcPr>
+                </a:tc>
+                <a:extLst>
+                  <a:ext uri="{0D108BD9-81ED-4DB2-BD59-A6C34878D82A}">
+                    <a16:rowId xmlns:a16="http://schemas.microsoft.com/office/drawing/2014/main" val="616858027"/>
+                  </a:ext>
+                </a:extLst>
+              </a:tr>
+              <a:tr h="168323">
+                <a:tc>
+                  <a:txBody>
+                    <a:bodyPr/>
+                    <a:lstStyle/>
+                    <a:p>
+                      <a:pPr algn="r">
+                        <a:lnSpc>
+                          <a:spcPct val="100000"/>
+                        </a:lnSpc>
+                        <a:spcAft>
+                          <a:spcPts val="0"/>
+                        </a:spcAft>
+                      </a:pPr>
+                      <a:r>
+                        <a:rPr lang="en-US" sz="1000" b="0" i="0" dirty="0">
+                          <a:effectLst/>
+                          <a:latin typeface="Arial" panose="020B0604020202020204" pitchFamily="34" charset="0"/>
+                          <a:ea typeface="Calibri" panose="020F0502020204030204" pitchFamily="34" charset="0"/>
+                          <a:cs typeface="Arial" panose="020B0604020202020204" pitchFamily="34" charset="0"/>
+                        </a:rPr>
+                        <a:t>80</a:t>
+                      </a:r>
+                    </a:p>
+                  </a:txBody>
+                  <a:tcPr marL="58831" marR="58831" marT="0" marB="0" anchor="ctr">
+                    <a:lnL w="12700" cap="flat" cmpd="sng" algn="ctr">
+                      <a:noFill/>
+                      <a:prstDash val="solid"/>
+                      <a:round/>
+                      <a:headEnd type="none" w="med" len="med"/>
+                      <a:tailEnd type="none" w="med" len="med"/>
+                    </a:lnL>
+                    <a:lnR>
+                      <a:noFill/>
+                    </a:lnR>
+                    <a:lnT>
+                      <a:noFill/>
+                    </a:lnT>
+                    <a:lnB>
+                      <a:noFill/>
+                    </a:lnB>
+                    <a:lnTlToBr w="12700" cmpd="sng">
+                      <a:noFill/>
+                      <a:prstDash val="solid"/>
+                    </a:lnTlToBr>
+                    <a:lnBlToTr w="12700" cmpd="sng">
+                      <a:noFill/>
+                      <a:prstDash val="solid"/>
+                    </a:lnBlToTr>
+                    <a:noFill/>
+                  </a:tcPr>
+                </a:tc>
+                <a:tc>
+                  <a:txBody>
+                    <a:bodyPr/>
+                    <a:lstStyle/>
+                    <a:p>
+                      <a:pPr algn="ctr">
+                        <a:lnSpc>
+                          <a:spcPct val="100000"/>
+                        </a:lnSpc>
+                        <a:spcAft>
+                          <a:spcPts val="0"/>
+                        </a:spcAft>
+                      </a:pPr>
+                      <a:r>
+                        <a:rPr lang="en-US" sz="1000" b="0" i="0" dirty="0">
+                          <a:effectLst/>
+                          <a:latin typeface="Arial" panose="020B0604020202020204" pitchFamily="34" charset="0"/>
+                          <a:ea typeface="Calibri" panose="020F0502020204030204" pitchFamily="34" charset="0"/>
+                          <a:cs typeface="Arial" panose="020B0604020202020204" pitchFamily="34" charset="0"/>
+                        </a:rPr>
+                        <a:t> </a:t>
+                      </a:r>
+                    </a:p>
+                  </a:txBody>
+                  <a:tcPr marL="58831" marR="58831" marT="0" marB="0">
+                    <a:lnL>
+                      <a:noFill/>
+                    </a:lnL>
+                    <a:lnR w="12700" cap="flat" cmpd="sng" algn="ctr">
+                      <a:noFill/>
+                      <a:prstDash val="solid"/>
+                      <a:round/>
+                      <a:headEnd type="none" w="med" len="med"/>
+                      <a:tailEnd type="none" w="med" len="med"/>
+                    </a:lnR>
+                    <a:lnT>
+                      <a:noFill/>
+                    </a:lnT>
+                    <a:lnB>
+                      <a:noFill/>
+                    </a:lnB>
+                    <a:lnTlToBr w="12700" cmpd="sng">
+                      <a:noFill/>
+                      <a:prstDash val="solid"/>
+                    </a:lnTlToBr>
+                    <a:lnBlToTr w="12700" cmpd="sng">
+                      <a:noFill/>
+                      <a:prstDash val="solid"/>
+                    </a:lnBlToTr>
+                    <a:noFill/>
+                  </a:tcPr>
+                </a:tc>
+                <a:extLst>
+                  <a:ext uri="{0D108BD9-81ED-4DB2-BD59-A6C34878D82A}">
+                    <a16:rowId xmlns:a16="http://schemas.microsoft.com/office/drawing/2014/main" val="3167596085"/>
+                  </a:ext>
+                </a:extLst>
+              </a:tr>
+              <a:tr h="168323">
+                <a:tc>
+                  <a:txBody>
+                    <a:bodyPr/>
+                    <a:lstStyle/>
+                    <a:p>
+                      <a:pPr algn="r">
+                        <a:lnSpc>
+                          <a:spcPct val="100000"/>
+                        </a:lnSpc>
+                        <a:spcAft>
+                          <a:spcPts val="0"/>
+                        </a:spcAft>
+                      </a:pPr>
+                      <a:r>
+                        <a:rPr lang="en-US" sz="1000" b="0" i="0">
+                          <a:effectLst/>
+                          <a:latin typeface="Arial" panose="020B0604020202020204" pitchFamily="34" charset="0"/>
+                          <a:ea typeface="Calibri" panose="020F0502020204030204" pitchFamily="34" charset="0"/>
+                          <a:cs typeface="Arial" panose="020B0604020202020204" pitchFamily="34" charset="0"/>
+                        </a:rPr>
+                        <a:t>100</a:t>
+                      </a:r>
+                    </a:p>
+                  </a:txBody>
+                  <a:tcPr marL="58831" marR="58831" marT="0" marB="0" anchor="ctr">
+                    <a:lnL w="12700" cap="flat" cmpd="sng" algn="ctr">
+                      <a:noFill/>
+                      <a:prstDash val="solid"/>
+                      <a:round/>
+                      <a:headEnd type="none" w="med" len="med"/>
+                      <a:tailEnd type="none" w="med" len="med"/>
+                    </a:lnL>
+                    <a:lnR>
+                      <a:noFill/>
+                    </a:lnR>
+                    <a:lnT>
+                      <a:noFill/>
+                    </a:lnT>
+                    <a:lnB>
+                      <a:noFill/>
+                    </a:lnB>
+                    <a:lnTlToBr w="12700" cmpd="sng">
+                      <a:noFill/>
+                      <a:prstDash val="solid"/>
+                    </a:lnTlToBr>
+                    <a:lnBlToTr w="12700" cmpd="sng">
+                      <a:noFill/>
+                      <a:prstDash val="solid"/>
+                    </a:lnBlToTr>
+                    <a:noFill/>
+                  </a:tcPr>
+                </a:tc>
+                <a:tc>
+                  <a:txBody>
+                    <a:bodyPr/>
+                    <a:lstStyle/>
+                    <a:p>
+                      <a:pPr>
+                        <a:lnSpc>
+                          <a:spcPct val="100000"/>
+                        </a:lnSpc>
+                        <a:spcAft>
+                          <a:spcPts val="0"/>
+                        </a:spcAft>
+                      </a:pPr>
+                      <a:r>
+                        <a:rPr lang="en-US" sz="1000" b="0" i="0" dirty="0">
+                          <a:effectLst/>
+                          <a:latin typeface="Arial" panose="020B0604020202020204" pitchFamily="34" charset="0"/>
+                          <a:ea typeface="Calibri" panose="020F0502020204030204" pitchFamily="34" charset="0"/>
+                          <a:cs typeface="Arial" panose="020B0604020202020204" pitchFamily="34" charset="0"/>
+                        </a:rPr>
+                        <a:t> </a:t>
+                      </a:r>
+                    </a:p>
+                  </a:txBody>
+                  <a:tcPr marL="58831" marR="58831" marT="0" marB="0" anchor="ctr">
+                    <a:lnL>
+                      <a:noFill/>
+                    </a:lnL>
+                    <a:lnR w="12700" cap="flat" cmpd="sng" algn="ctr">
+                      <a:noFill/>
+                      <a:prstDash val="solid"/>
+                      <a:round/>
+                      <a:headEnd type="none" w="med" len="med"/>
+                      <a:tailEnd type="none" w="med" len="med"/>
+                    </a:lnR>
+                    <a:lnT>
+                      <a:noFill/>
+                    </a:lnT>
+                    <a:lnB>
+                      <a:noFill/>
+                    </a:lnB>
+                    <a:lnTlToBr w="12700" cmpd="sng">
+                      <a:noFill/>
+                      <a:prstDash val="solid"/>
+                    </a:lnTlToBr>
+                    <a:lnBlToTr w="12700" cmpd="sng">
+                      <a:noFill/>
+                      <a:prstDash val="solid"/>
+                    </a:lnBlToTr>
+                    <a:noFill/>
+                  </a:tcPr>
+                </a:tc>
+                <a:extLst>
+                  <a:ext uri="{0D108BD9-81ED-4DB2-BD59-A6C34878D82A}">
+                    <a16:rowId xmlns:a16="http://schemas.microsoft.com/office/drawing/2014/main" val="2469608257"/>
+                  </a:ext>
+                </a:extLst>
+              </a:tr>
+              <a:tr h="168323">
+                <a:tc>
+                  <a:txBody>
+                    <a:bodyPr/>
+                    <a:lstStyle/>
+                    <a:p>
+                      <a:pPr algn="r">
+                        <a:lnSpc>
+                          <a:spcPct val="100000"/>
+                        </a:lnSpc>
+                        <a:spcAft>
+                          <a:spcPts val="0"/>
+                        </a:spcAft>
+                      </a:pPr>
+                      <a:r>
+                        <a:rPr lang="en-US" sz="1000" b="0" i="0" dirty="0">
+                          <a:effectLst/>
+                          <a:latin typeface="Arial" panose="020B0604020202020204" pitchFamily="34" charset="0"/>
+                          <a:ea typeface="Calibri" panose="020F0502020204030204" pitchFamily="34" charset="0"/>
+                          <a:cs typeface="Arial" panose="020B0604020202020204" pitchFamily="34" charset="0"/>
+                        </a:rPr>
+                        <a:t>120</a:t>
+                      </a:r>
+                    </a:p>
+                  </a:txBody>
+                  <a:tcPr marL="58831" marR="58831" marT="0" marB="0" anchor="ctr">
+                    <a:lnL w="12700" cap="flat" cmpd="sng" algn="ctr">
+                      <a:noFill/>
+                      <a:prstDash val="solid"/>
+                      <a:round/>
+                      <a:headEnd type="none" w="med" len="med"/>
+                      <a:tailEnd type="none" w="med" len="med"/>
+                    </a:lnL>
+                    <a:lnR>
+                      <a:noFill/>
+                    </a:lnR>
+                    <a:lnT>
+                      <a:noFill/>
+                    </a:lnT>
+                    <a:lnB>
+                      <a:noFill/>
+                    </a:lnB>
+                    <a:lnTlToBr w="12700" cmpd="sng">
+                      <a:noFill/>
+                      <a:prstDash val="solid"/>
+                    </a:lnTlToBr>
+                    <a:lnBlToTr w="12700" cmpd="sng">
+                      <a:noFill/>
+                      <a:prstDash val="solid"/>
+                    </a:lnBlToTr>
+                    <a:noFill/>
+                  </a:tcPr>
+                </a:tc>
+                <a:tc>
+                  <a:txBody>
+                    <a:bodyPr/>
+                    <a:lstStyle/>
+                    <a:p>
+                      <a:pPr>
+                        <a:lnSpc>
+                          <a:spcPct val="100000"/>
+                        </a:lnSpc>
+                        <a:spcAft>
+                          <a:spcPts val="0"/>
+                        </a:spcAft>
+                      </a:pPr>
+                      <a:r>
+                        <a:rPr lang="en-US" sz="1000" b="0" i="0" dirty="0">
+                          <a:effectLst/>
+                          <a:latin typeface="Arial" panose="020B0604020202020204" pitchFamily="34" charset="0"/>
+                          <a:ea typeface="Calibri" panose="020F0502020204030204" pitchFamily="34" charset="0"/>
+                          <a:cs typeface="Arial" panose="020B0604020202020204" pitchFamily="34" charset="0"/>
+                        </a:rPr>
+                        <a:t>1kg Lentil (</a:t>
+                      </a:r>
+                      <a:r>
+                        <a:rPr lang="en-US" sz="1000" b="0" i="0" dirty="0" err="1">
+                          <a:effectLst/>
+                          <a:latin typeface="Arial" panose="020B0604020202020204" pitchFamily="34" charset="0"/>
+                          <a:ea typeface="Calibri" panose="020F0502020204030204" pitchFamily="34" charset="0"/>
+                          <a:cs typeface="Arial" panose="020B0604020202020204" pitchFamily="34" charset="0"/>
+                        </a:rPr>
+                        <a:t>Daal</a:t>
+                      </a:r>
+                      <a:r>
+                        <a:rPr lang="en-US" sz="1000" b="0" i="0" dirty="0">
+                          <a:effectLst/>
+                          <a:latin typeface="Arial" panose="020B0604020202020204" pitchFamily="34" charset="0"/>
+                          <a:ea typeface="Calibri" panose="020F0502020204030204" pitchFamily="34" charset="0"/>
+                          <a:cs typeface="Arial" panose="020B0604020202020204" pitchFamily="34" charset="0"/>
+                        </a:rPr>
+                        <a:t>)</a:t>
+                      </a:r>
+                    </a:p>
+                  </a:txBody>
+                  <a:tcPr marL="58831" marR="58831" marT="0" marB="0">
+                    <a:lnL>
+                      <a:noFill/>
+                    </a:lnL>
+                    <a:lnR w="12700" cap="flat" cmpd="sng" algn="ctr">
+                      <a:noFill/>
+                      <a:prstDash val="solid"/>
+                      <a:round/>
+                      <a:headEnd type="none" w="med" len="med"/>
+                      <a:tailEnd type="none" w="med" len="med"/>
+                    </a:lnR>
+                    <a:lnT>
+                      <a:noFill/>
+                    </a:lnT>
+                    <a:lnB>
+                      <a:noFill/>
+                    </a:lnB>
+                    <a:lnTlToBr w="12700" cmpd="sng">
+                      <a:noFill/>
+                      <a:prstDash val="solid"/>
+                    </a:lnTlToBr>
+                    <a:lnBlToTr w="12700" cmpd="sng">
+                      <a:noFill/>
+                      <a:prstDash val="solid"/>
+                    </a:lnBlToTr>
+                    <a:noFill/>
+                  </a:tcPr>
+                </a:tc>
+                <a:extLst>
+                  <a:ext uri="{0D108BD9-81ED-4DB2-BD59-A6C34878D82A}">
+                    <a16:rowId xmlns:a16="http://schemas.microsoft.com/office/drawing/2014/main" val="3202437527"/>
+                  </a:ext>
+                </a:extLst>
+              </a:tr>
+              <a:tr h="168323">
+                <a:tc>
+                  <a:txBody>
+                    <a:bodyPr/>
+                    <a:lstStyle/>
+                    <a:p>
+                      <a:pPr algn="r">
+                        <a:lnSpc>
+                          <a:spcPct val="100000"/>
+                        </a:lnSpc>
+                        <a:spcAft>
+                          <a:spcPts val="0"/>
+                        </a:spcAft>
+                      </a:pPr>
+                      <a:r>
+                        <a:rPr lang="en-US" sz="1000" b="0" i="0" dirty="0">
+                          <a:effectLst/>
+                          <a:latin typeface="Arial" panose="020B0604020202020204" pitchFamily="34" charset="0"/>
+                          <a:ea typeface="Calibri" panose="020F0502020204030204" pitchFamily="34" charset="0"/>
+                          <a:cs typeface="Arial" panose="020B0604020202020204" pitchFamily="34" charset="0"/>
+                        </a:rPr>
+                        <a:t>140</a:t>
+                      </a:r>
+                    </a:p>
+                  </a:txBody>
+                  <a:tcPr marL="58831" marR="58831" marT="0" marB="0" anchor="ctr">
+                    <a:lnL w="12700" cap="flat" cmpd="sng" algn="ctr">
+                      <a:noFill/>
+                      <a:prstDash val="solid"/>
+                      <a:round/>
+                      <a:headEnd type="none" w="med" len="med"/>
+                      <a:tailEnd type="none" w="med" len="med"/>
+                    </a:lnL>
+                    <a:lnR>
+                      <a:noFill/>
+                    </a:lnR>
+                    <a:lnT>
+                      <a:noFill/>
+                    </a:lnT>
+                    <a:lnB>
+                      <a:noFill/>
+                    </a:lnB>
+                    <a:lnTlToBr w="12700" cmpd="sng">
+                      <a:noFill/>
+                      <a:prstDash val="solid"/>
+                    </a:lnTlToBr>
+                    <a:lnBlToTr w="12700" cmpd="sng">
+                      <a:noFill/>
+                      <a:prstDash val="solid"/>
+                    </a:lnBlToTr>
+                    <a:noFill/>
+                  </a:tcPr>
+                </a:tc>
+                <a:tc>
+                  <a:txBody>
+                    <a:bodyPr/>
+                    <a:lstStyle/>
+                    <a:p>
+                      <a:pPr algn="ctr">
+                        <a:lnSpc>
+                          <a:spcPct val="100000"/>
+                        </a:lnSpc>
+                        <a:spcAft>
+                          <a:spcPts val="0"/>
+                        </a:spcAft>
+                      </a:pPr>
+                      <a:r>
+                        <a:rPr lang="en-US" sz="1000" b="0" i="0" dirty="0">
+                          <a:effectLst/>
+                          <a:latin typeface="Arial" panose="020B0604020202020204" pitchFamily="34" charset="0"/>
+                          <a:ea typeface="Calibri" panose="020F0502020204030204" pitchFamily="34" charset="0"/>
+                          <a:cs typeface="Arial" panose="020B0604020202020204" pitchFamily="34" charset="0"/>
+                        </a:rPr>
+                        <a:t> </a:t>
+                      </a:r>
+                    </a:p>
+                  </a:txBody>
+                  <a:tcPr marL="58831" marR="58831" marT="0" marB="0">
+                    <a:lnL>
+                      <a:noFill/>
+                    </a:lnL>
+                    <a:lnR w="12700" cap="flat" cmpd="sng" algn="ctr">
+                      <a:noFill/>
+                      <a:prstDash val="solid"/>
+                      <a:round/>
+                      <a:headEnd type="none" w="med" len="med"/>
+                      <a:tailEnd type="none" w="med" len="med"/>
+                    </a:lnR>
+                    <a:lnT>
+                      <a:noFill/>
+                    </a:lnT>
+                    <a:lnB>
+                      <a:noFill/>
+                    </a:lnB>
+                    <a:lnTlToBr w="12700" cmpd="sng">
+                      <a:noFill/>
+                      <a:prstDash val="solid"/>
+                    </a:lnTlToBr>
+                    <a:lnBlToTr w="12700" cmpd="sng">
+                      <a:noFill/>
+                      <a:prstDash val="solid"/>
+                    </a:lnBlToTr>
+                    <a:noFill/>
+                  </a:tcPr>
+                </a:tc>
+                <a:extLst>
+                  <a:ext uri="{0D108BD9-81ED-4DB2-BD59-A6C34878D82A}">
+                    <a16:rowId xmlns:a16="http://schemas.microsoft.com/office/drawing/2014/main" val="2187676382"/>
+                  </a:ext>
+                </a:extLst>
+              </a:tr>
+              <a:tr h="168323">
+                <a:tc>
+                  <a:txBody>
+                    <a:bodyPr/>
+                    <a:lstStyle/>
+                    <a:p>
+                      <a:pPr algn="r">
+                        <a:lnSpc>
+                          <a:spcPct val="100000"/>
+                        </a:lnSpc>
+                        <a:spcAft>
+                          <a:spcPts val="0"/>
+                        </a:spcAft>
+                      </a:pPr>
+                      <a:r>
+                        <a:rPr lang="en-US" sz="1000" b="0" i="0">
+                          <a:effectLst/>
+                          <a:latin typeface="Arial" panose="020B0604020202020204" pitchFamily="34" charset="0"/>
+                          <a:ea typeface="Calibri" panose="020F0502020204030204" pitchFamily="34" charset="0"/>
+                          <a:cs typeface="Arial" panose="020B0604020202020204" pitchFamily="34" charset="0"/>
+                        </a:rPr>
+                        <a:t>160</a:t>
+                      </a:r>
+                    </a:p>
+                  </a:txBody>
+                  <a:tcPr marL="58831" marR="58831" marT="0" marB="0" anchor="ctr">
+                    <a:lnL w="12700" cap="flat" cmpd="sng" algn="ctr">
+                      <a:noFill/>
+                      <a:prstDash val="solid"/>
+                      <a:round/>
+                      <a:headEnd type="none" w="med" len="med"/>
+                      <a:tailEnd type="none" w="med" len="med"/>
+                    </a:lnL>
+                    <a:lnR>
+                      <a:noFill/>
+                    </a:lnR>
+                    <a:lnT>
+                      <a:noFill/>
+                    </a:lnT>
+                    <a:lnB>
+                      <a:noFill/>
+                    </a:lnB>
+                    <a:lnTlToBr w="12700" cmpd="sng">
+                      <a:noFill/>
+                      <a:prstDash val="solid"/>
+                    </a:lnTlToBr>
+                    <a:lnBlToTr w="12700" cmpd="sng">
+                      <a:noFill/>
+                      <a:prstDash val="solid"/>
+                    </a:lnBlToTr>
+                    <a:noFill/>
+                  </a:tcPr>
+                </a:tc>
+                <a:tc>
+                  <a:txBody>
+                    <a:bodyPr/>
+                    <a:lstStyle/>
+                    <a:p>
+                      <a:pPr algn="ctr">
+                        <a:lnSpc>
+                          <a:spcPct val="100000"/>
+                        </a:lnSpc>
+                        <a:spcAft>
+                          <a:spcPts val="0"/>
+                        </a:spcAft>
+                      </a:pPr>
+                      <a:r>
+                        <a:rPr lang="en-US" sz="1000" b="0" i="0" dirty="0">
+                          <a:effectLst/>
+                          <a:latin typeface="Arial" panose="020B0604020202020204" pitchFamily="34" charset="0"/>
+                          <a:ea typeface="Calibri" panose="020F0502020204030204" pitchFamily="34" charset="0"/>
+                          <a:cs typeface="Arial" panose="020B0604020202020204" pitchFamily="34" charset="0"/>
+                        </a:rPr>
+                        <a:t> </a:t>
+                      </a:r>
+                    </a:p>
+                  </a:txBody>
+                  <a:tcPr marL="58831" marR="58831" marT="0" marB="0">
+                    <a:lnL>
+                      <a:noFill/>
+                    </a:lnL>
+                    <a:lnR w="12700" cap="flat" cmpd="sng" algn="ctr">
+                      <a:noFill/>
+                      <a:prstDash val="solid"/>
+                      <a:round/>
+                      <a:headEnd type="none" w="med" len="med"/>
+                      <a:tailEnd type="none" w="med" len="med"/>
+                    </a:lnR>
+                    <a:lnT>
+                      <a:noFill/>
+                    </a:lnT>
+                    <a:lnB>
+                      <a:noFill/>
+                    </a:lnB>
+                    <a:lnTlToBr w="12700" cmpd="sng">
+                      <a:noFill/>
+                      <a:prstDash val="solid"/>
+                    </a:lnTlToBr>
+                    <a:lnBlToTr w="12700" cmpd="sng">
+                      <a:noFill/>
+                      <a:prstDash val="solid"/>
+                    </a:lnBlToTr>
+                    <a:noFill/>
+                  </a:tcPr>
+                </a:tc>
+                <a:extLst>
+                  <a:ext uri="{0D108BD9-81ED-4DB2-BD59-A6C34878D82A}">
+                    <a16:rowId xmlns:a16="http://schemas.microsoft.com/office/drawing/2014/main" val="200758563"/>
+                  </a:ext>
+                </a:extLst>
+              </a:tr>
+              <a:tr h="168323">
+                <a:tc>
+                  <a:txBody>
+                    <a:bodyPr/>
+                    <a:lstStyle/>
+                    <a:p>
+                      <a:pPr algn="r">
+                        <a:lnSpc>
+                          <a:spcPct val="100000"/>
+                        </a:lnSpc>
+                        <a:spcAft>
+                          <a:spcPts val="0"/>
+                        </a:spcAft>
+                      </a:pPr>
+                      <a:r>
+                        <a:rPr lang="en-US" sz="1000" b="0" i="0" dirty="0">
+                          <a:effectLst/>
+                          <a:latin typeface="Arial" panose="020B0604020202020204" pitchFamily="34" charset="0"/>
+                          <a:ea typeface="Calibri" panose="020F0502020204030204" pitchFamily="34" charset="0"/>
+                          <a:cs typeface="Arial" panose="020B0604020202020204" pitchFamily="34" charset="0"/>
+                        </a:rPr>
+                        <a:t>180</a:t>
+                      </a:r>
+                    </a:p>
+                  </a:txBody>
+                  <a:tcPr marL="58831" marR="58831" marT="0" marB="0" anchor="ctr">
+                    <a:lnL w="12700" cap="flat" cmpd="sng" algn="ctr">
+                      <a:noFill/>
+                      <a:prstDash val="solid"/>
+                      <a:round/>
+                      <a:headEnd type="none" w="med" len="med"/>
+                      <a:tailEnd type="none" w="med" len="med"/>
+                    </a:lnL>
+                    <a:lnR>
+                      <a:noFill/>
+                    </a:lnR>
+                    <a:lnT>
+                      <a:noFill/>
+                    </a:lnT>
+                    <a:lnB>
+                      <a:noFill/>
+                    </a:lnB>
+                    <a:lnTlToBr w="12700" cmpd="sng">
+                      <a:noFill/>
+                      <a:prstDash val="solid"/>
+                    </a:lnTlToBr>
+                    <a:lnBlToTr w="12700" cmpd="sng">
+                      <a:noFill/>
+                      <a:prstDash val="solid"/>
+                    </a:lnBlToTr>
+                    <a:noFill/>
+                  </a:tcPr>
+                </a:tc>
+                <a:tc>
+                  <a:txBody>
+                    <a:bodyPr/>
+                    <a:lstStyle/>
+                    <a:p>
+                      <a:pPr>
+                        <a:lnSpc>
+                          <a:spcPct val="100000"/>
+                        </a:lnSpc>
+                        <a:spcAft>
+                          <a:spcPts val="0"/>
+                        </a:spcAft>
+                      </a:pPr>
+                      <a:r>
+                        <a:rPr lang="en-US" sz="1000" b="0" i="0" dirty="0">
+                          <a:effectLst/>
+                          <a:latin typeface="Arial" panose="020B0604020202020204" pitchFamily="34" charset="0"/>
+                          <a:ea typeface="Calibri" panose="020F0502020204030204" pitchFamily="34" charset="0"/>
+                          <a:cs typeface="Arial" panose="020B0604020202020204" pitchFamily="34" charset="0"/>
+                        </a:rPr>
+                        <a:t> </a:t>
+                      </a:r>
+                    </a:p>
+                  </a:txBody>
+                  <a:tcPr marL="58831" marR="58831" marT="0" marB="0">
+                    <a:lnL>
+                      <a:noFill/>
+                    </a:lnL>
+                    <a:lnR w="12700" cap="flat" cmpd="sng" algn="ctr">
+                      <a:noFill/>
+                      <a:prstDash val="solid"/>
+                      <a:round/>
+                      <a:headEnd type="none" w="med" len="med"/>
+                      <a:tailEnd type="none" w="med" len="med"/>
+                    </a:lnR>
+                    <a:lnT>
+                      <a:noFill/>
+                    </a:lnT>
+                    <a:lnB>
+                      <a:noFill/>
+                    </a:lnB>
+                    <a:lnTlToBr w="12700" cmpd="sng">
+                      <a:noFill/>
+                      <a:prstDash val="solid"/>
+                    </a:lnTlToBr>
+                    <a:lnBlToTr w="12700" cmpd="sng">
+                      <a:noFill/>
+                      <a:prstDash val="solid"/>
+                    </a:lnBlToTr>
+                    <a:noFill/>
+                  </a:tcPr>
+                </a:tc>
+                <a:extLst>
+                  <a:ext uri="{0D108BD9-81ED-4DB2-BD59-A6C34878D82A}">
+                    <a16:rowId xmlns:a16="http://schemas.microsoft.com/office/drawing/2014/main" val="93741488"/>
+                  </a:ext>
+                </a:extLst>
+              </a:tr>
+              <a:tr h="168323">
+                <a:tc>
+                  <a:txBody>
+                    <a:bodyPr/>
+                    <a:lstStyle/>
+                    <a:p>
+                      <a:pPr algn="r">
+                        <a:lnSpc>
+                          <a:spcPct val="100000"/>
+                        </a:lnSpc>
+                        <a:spcAft>
+                          <a:spcPts val="0"/>
+                        </a:spcAft>
+                      </a:pPr>
+                      <a:r>
+                        <a:rPr lang="en-US" sz="1000" b="0" i="0">
+                          <a:effectLst/>
+                          <a:latin typeface="Arial" panose="020B0604020202020204" pitchFamily="34" charset="0"/>
+                          <a:ea typeface="Calibri" panose="020F0502020204030204" pitchFamily="34" charset="0"/>
+                          <a:cs typeface="Arial" panose="020B0604020202020204" pitchFamily="34" charset="0"/>
+                        </a:rPr>
+                        <a:t>200</a:t>
+                      </a:r>
+                      <a:endParaRPr lang="en-US" sz="1000" b="0" i="0" dirty="0">
+                        <a:effectLst/>
+                        <a:latin typeface="Arial" panose="020B0604020202020204" pitchFamily="34" charset="0"/>
+                        <a:ea typeface="Calibri" panose="020F0502020204030204" pitchFamily="34" charset="0"/>
+                        <a:cs typeface="Arial" panose="020B0604020202020204" pitchFamily="34" charset="0"/>
+                      </a:endParaRPr>
+                    </a:p>
+                  </a:txBody>
+                  <a:tcPr marL="58831" marR="58831" marT="0" marB="0" anchor="ctr">
+                    <a:lnL w="12700" cap="flat" cmpd="sng" algn="ctr">
+                      <a:noFill/>
+                      <a:prstDash val="solid"/>
+                      <a:round/>
+                      <a:headEnd type="none" w="med" len="med"/>
+                      <a:tailEnd type="none" w="med" len="med"/>
+                    </a:lnL>
+                    <a:lnR>
+                      <a:noFill/>
+                    </a:lnR>
+                    <a:lnT>
+                      <a:noFill/>
+                    </a:lnT>
+                    <a:lnB>
+                      <a:noFill/>
+                    </a:lnB>
+                    <a:lnTlToBr w="12700" cmpd="sng">
+                      <a:noFill/>
+                      <a:prstDash val="solid"/>
+                    </a:lnTlToBr>
+                    <a:lnBlToTr w="12700" cmpd="sng">
+                      <a:noFill/>
+                      <a:prstDash val="solid"/>
+                    </a:lnBlToTr>
+                    <a:noFill/>
+                  </a:tcPr>
+                </a:tc>
+                <a:tc>
+                  <a:txBody>
+                    <a:bodyPr/>
+                    <a:lstStyle/>
+                    <a:p>
+                      <a:pPr>
+                        <a:lnSpc>
+                          <a:spcPct val="100000"/>
+                        </a:lnSpc>
+                        <a:spcAft>
+                          <a:spcPts val="0"/>
+                        </a:spcAft>
+                      </a:pPr>
+                      <a:r>
+                        <a:rPr lang="en-US" sz="1000" b="0" i="0" dirty="0">
+                          <a:effectLst/>
+                          <a:latin typeface="Arial" panose="020B0604020202020204" pitchFamily="34" charset="0"/>
+                          <a:ea typeface="Calibri" panose="020F0502020204030204" pitchFamily="34" charset="0"/>
+                          <a:cs typeface="Arial" panose="020B0604020202020204" pitchFamily="34" charset="0"/>
+                        </a:rPr>
+                        <a:t>1 Liter Mustard oil</a:t>
+                      </a:r>
+                    </a:p>
+                  </a:txBody>
+                  <a:tcPr marL="58831" marR="58831" marT="0" marB="0">
+                    <a:lnL>
+                      <a:noFill/>
+                    </a:lnL>
+                    <a:lnR w="12700" cap="flat" cmpd="sng" algn="ctr">
+                      <a:noFill/>
+                      <a:prstDash val="solid"/>
+                      <a:round/>
+                      <a:headEnd type="none" w="med" len="med"/>
+                      <a:tailEnd type="none" w="med" len="med"/>
+                    </a:lnR>
+                    <a:lnT>
+                      <a:noFill/>
+                    </a:lnT>
+                    <a:lnB>
+                      <a:noFill/>
+                    </a:lnB>
+                    <a:lnTlToBr w="12700" cmpd="sng">
+                      <a:noFill/>
+                      <a:prstDash val="solid"/>
+                    </a:lnTlToBr>
+                    <a:lnBlToTr w="12700" cmpd="sng">
+                      <a:noFill/>
+                      <a:prstDash val="solid"/>
+                    </a:lnBlToTr>
+                    <a:noFill/>
+                  </a:tcPr>
+                </a:tc>
+                <a:extLst>
+                  <a:ext uri="{0D108BD9-81ED-4DB2-BD59-A6C34878D82A}">
+                    <a16:rowId xmlns:a16="http://schemas.microsoft.com/office/drawing/2014/main" val="1942287153"/>
+                  </a:ext>
+                </a:extLst>
+              </a:tr>
+              <a:tr h="168323">
+                <a:tc>
+                  <a:txBody>
+                    <a:bodyPr/>
+                    <a:lstStyle/>
+                    <a:p>
+                      <a:pPr algn="r">
+                        <a:lnSpc>
+                          <a:spcPct val="100000"/>
+                        </a:lnSpc>
+                        <a:spcAft>
+                          <a:spcPts val="0"/>
+                        </a:spcAft>
+                      </a:pPr>
+                      <a:r>
+                        <a:rPr lang="en-US" sz="1000" b="0" i="0">
+                          <a:effectLst/>
+                          <a:latin typeface="Arial" panose="020B0604020202020204" pitchFamily="34" charset="0"/>
+                          <a:ea typeface="Calibri" panose="020F0502020204030204" pitchFamily="34" charset="0"/>
+                          <a:cs typeface="Arial" panose="020B0604020202020204" pitchFamily="34" charset="0"/>
+                        </a:rPr>
+                        <a:t>250</a:t>
+                      </a:r>
+                      <a:endParaRPr lang="en-US" sz="1000" b="0" i="0" dirty="0">
+                        <a:effectLst/>
+                        <a:latin typeface="Arial" panose="020B0604020202020204" pitchFamily="34" charset="0"/>
+                        <a:ea typeface="Calibri" panose="020F0502020204030204" pitchFamily="34" charset="0"/>
+                        <a:cs typeface="Arial" panose="020B0604020202020204" pitchFamily="34" charset="0"/>
+                      </a:endParaRPr>
+                    </a:p>
+                  </a:txBody>
+                  <a:tcPr marL="58831" marR="58831" marT="0" marB="0" anchor="ctr">
+                    <a:lnL w="12700" cap="flat" cmpd="sng" algn="ctr">
+                      <a:noFill/>
+                      <a:prstDash val="solid"/>
+                      <a:round/>
+                      <a:headEnd type="none" w="med" len="med"/>
+                      <a:tailEnd type="none" w="med" len="med"/>
+                    </a:lnL>
+                    <a:lnR>
+                      <a:noFill/>
+                    </a:lnR>
+                    <a:lnT>
+                      <a:noFill/>
+                    </a:lnT>
+                    <a:lnB>
+                      <a:noFill/>
+                    </a:lnB>
+                    <a:lnTlToBr w="12700" cmpd="sng">
+                      <a:noFill/>
+                      <a:prstDash val="solid"/>
+                    </a:lnTlToBr>
+                    <a:lnBlToTr w="12700" cmpd="sng">
+                      <a:noFill/>
+                      <a:prstDash val="solid"/>
+                    </a:lnBlToTr>
+                    <a:noFill/>
+                  </a:tcPr>
+                </a:tc>
+                <a:tc>
+                  <a:txBody>
+                    <a:bodyPr/>
+                    <a:lstStyle/>
+                    <a:p>
+                      <a:pPr algn="ctr">
+                        <a:lnSpc>
+                          <a:spcPct val="100000"/>
+                        </a:lnSpc>
+                        <a:spcAft>
+                          <a:spcPts val="0"/>
+                        </a:spcAft>
+                      </a:pPr>
+                      <a:r>
+                        <a:rPr lang="en-US" sz="1000" b="0" i="0" dirty="0">
+                          <a:effectLst/>
+                          <a:latin typeface="Arial" panose="020B0604020202020204" pitchFamily="34" charset="0"/>
+                          <a:ea typeface="Calibri" panose="020F0502020204030204" pitchFamily="34" charset="0"/>
+                          <a:cs typeface="Arial" panose="020B0604020202020204" pitchFamily="34" charset="0"/>
+                        </a:rPr>
+                        <a:t> </a:t>
+                      </a:r>
+                    </a:p>
+                  </a:txBody>
+                  <a:tcPr marL="58831" marR="58831" marT="0" marB="0">
+                    <a:lnL>
+                      <a:noFill/>
+                    </a:lnL>
+                    <a:lnR w="12700" cap="flat" cmpd="sng" algn="ctr">
+                      <a:noFill/>
+                      <a:prstDash val="solid"/>
+                      <a:round/>
+                      <a:headEnd type="none" w="med" len="med"/>
+                      <a:tailEnd type="none" w="med" len="med"/>
+                    </a:lnR>
+                    <a:lnT>
+                      <a:noFill/>
+                    </a:lnT>
+                    <a:lnB>
+                      <a:noFill/>
+                    </a:lnB>
+                    <a:lnTlToBr w="12700" cmpd="sng">
+                      <a:noFill/>
+                      <a:prstDash val="solid"/>
+                    </a:lnTlToBr>
+                    <a:lnBlToTr w="12700" cmpd="sng">
+                      <a:noFill/>
+                      <a:prstDash val="solid"/>
+                    </a:lnBlToTr>
+                    <a:noFill/>
+                  </a:tcPr>
+                </a:tc>
+                <a:extLst>
+                  <a:ext uri="{0D108BD9-81ED-4DB2-BD59-A6C34878D82A}">
+                    <a16:rowId xmlns:a16="http://schemas.microsoft.com/office/drawing/2014/main" val="3363932120"/>
+                  </a:ext>
+                </a:extLst>
+              </a:tr>
+              <a:tr h="168323">
+                <a:tc>
+                  <a:txBody>
+                    <a:bodyPr/>
+                    <a:lstStyle/>
+                    <a:p>
+                      <a:pPr algn="r">
+                        <a:lnSpc>
+                          <a:spcPct val="100000"/>
+                        </a:lnSpc>
+                        <a:spcAft>
+                          <a:spcPts val="0"/>
+                        </a:spcAft>
+                      </a:pPr>
+                      <a:r>
+                        <a:rPr lang="en-US" sz="1000" b="0" i="0" dirty="0">
+                          <a:effectLst/>
+                          <a:latin typeface="Arial" panose="020B0604020202020204" pitchFamily="34" charset="0"/>
+                          <a:ea typeface="Calibri" panose="020F0502020204030204" pitchFamily="34" charset="0"/>
+                          <a:cs typeface="Arial" panose="020B0604020202020204" pitchFamily="34" charset="0"/>
+                        </a:rPr>
+                        <a:t>300</a:t>
+                      </a:r>
+                    </a:p>
+                  </a:txBody>
+                  <a:tcPr marL="58831" marR="58831" marT="0" marB="0" anchor="ctr">
+                    <a:lnL w="12700" cap="flat" cmpd="sng" algn="ctr">
+                      <a:noFill/>
+                      <a:prstDash val="solid"/>
+                      <a:round/>
+                      <a:headEnd type="none" w="med" len="med"/>
+                      <a:tailEnd type="none" w="med" len="med"/>
+                    </a:lnL>
+                    <a:lnR>
+                      <a:noFill/>
+                    </a:lnR>
+                    <a:lnT>
+                      <a:noFill/>
+                    </a:lnT>
+                    <a:lnB>
+                      <a:noFill/>
+                    </a:lnB>
+                    <a:lnTlToBr w="12700" cmpd="sng">
+                      <a:noFill/>
+                      <a:prstDash val="solid"/>
+                    </a:lnTlToBr>
+                    <a:lnBlToTr w="12700" cmpd="sng">
+                      <a:noFill/>
+                      <a:prstDash val="solid"/>
+                    </a:lnBlToTr>
+                    <a:noFill/>
+                  </a:tcPr>
+                </a:tc>
+                <a:tc>
+                  <a:txBody>
+                    <a:bodyPr/>
+                    <a:lstStyle/>
+                    <a:p>
+                      <a:pPr>
+                        <a:lnSpc>
+                          <a:spcPct val="100000"/>
+                        </a:lnSpc>
+                        <a:spcAft>
+                          <a:spcPts val="0"/>
+                        </a:spcAft>
+                      </a:pPr>
+                      <a:r>
+                        <a:rPr lang="en-US" sz="1000" b="0" i="0" dirty="0">
+                          <a:effectLst/>
+                          <a:latin typeface="Arial" panose="020B0604020202020204" pitchFamily="34" charset="0"/>
+                          <a:ea typeface="Calibri" panose="020F0502020204030204" pitchFamily="34" charset="0"/>
+                          <a:cs typeface="Arial" panose="020B0604020202020204" pitchFamily="34" charset="0"/>
+                        </a:rPr>
+                        <a:t>400g Powder Milk </a:t>
+                      </a:r>
+                    </a:p>
+                  </a:txBody>
+                  <a:tcPr marL="58831" marR="58831" marT="0" marB="0">
+                    <a:lnL>
+                      <a:noFill/>
+                    </a:lnL>
+                    <a:lnR w="12700" cap="flat" cmpd="sng" algn="ctr">
+                      <a:noFill/>
+                      <a:prstDash val="solid"/>
+                      <a:round/>
+                      <a:headEnd type="none" w="med" len="med"/>
+                      <a:tailEnd type="none" w="med" len="med"/>
+                    </a:lnR>
+                    <a:lnT>
+                      <a:noFill/>
+                    </a:lnT>
+                    <a:lnB>
+                      <a:noFill/>
+                    </a:lnB>
+                    <a:lnTlToBr w="12700" cmpd="sng">
+                      <a:noFill/>
+                      <a:prstDash val="solid"/>
+                    </a:lnTlToBr>
+                    <a:lnBlToTr w="12700" cmpd="sng">
+                      <a:noFill/>
+                      <a:prstDash val="solid"/>
+                    </a:lnBlToTr>
+                    <a:noFill/>
+                  </a:tcPr>
+                </a:tc>
+                <a:extLst>
+                  <a:ext uri="{0D108BD9-81ED-4DB2-BD59-A6C34878D82A}">
+                    <a16:rowId xmlns:a16="http://schemas.microsoft.com/office/drawing/2014/main" val="1616371545"/>
+                  </a:ext>
+                </a:extLst>
+              </a:tr>
+              <a:tr h="168323">
+                <a:tc>
+                  <a:txBody>
+                    <a:bodyPr/>
+                    <a:lstStyle/>
+                    <a:p>
+                      <a:pPr algn="r">
+                        <a:lnSpc>
+                          <a:spcPct val="100000"/>
+                        </a:lnSpc>
+                        <a:spcAft>
+                          <a:spcPts val="0"/>
+                        </a:spcAft>
+                      </a:pPr>
+                      <a:r>
+                        <a:rPr lang="en-US" sz="1000" b="0" i="0">
+                          <a:effectLst/>
+                          <a:latin typeface="Arial" panose="020B0604020202020204" pitchFamily="34" charset="0"/>
+                          <a:ea typeface="Calibri" panose="020F0502020204030204" pitchFamily="34" charset="0"/>
+                          <a:cs typeface="Arial" panose="020B0604020202020204" pitchFamily="34" charset="0"/>
+                        </a:rPr>
+                        <a:t>350</a:t>
+                      </a:r>
+                      <a:endParaRPr lang="en-US" sz="1000" b="0" i="0" dirty="0">
+                        <a:effectLst/>
+                        <a:latin typeface="Arial" panose="020B0604020202020204" pitchFamily="34" charset="0"/>
+                        <a:ea typeface="Calibri" panose="020F0502020204030204" pitchFamily="34" charset="0"/>
+                        <a:cs typeface="Arial" panose="020B0604020202020204" pitchFamily="34" charset="0"/>
+                      </a:endParaRPr>
+                    </a:p>
+                  </a:txBody>
+                  <a:tcPr marL="58831" marR="58831" marT="0" marB="0" anchor="ctr">
+                    <a:lnL w="12700" cap="flat" cmpd="sng" algn="ctr">
+                      <a:noFill/>
+                      <a:prstDash val="solid"/>
+                      <a:round/>
+                      <a:headEnd type="none" w="med" len="med"/>
+                      <a:tailEnd type="none" w="med" len="med"/>
+                    </a:lnL>
+                    <a:lnR>
+                      <a:noFill/>
+                    </a:lnR>
+                    <a:lnT>
+                      <a:noFill/>
+                    </a:lnT>
+                    <a:lnB>
+                      <a:noFill/>
+                    </a:lnB>
+                    <a:lnTlToBr w="12700" cmpd="sng">
+                      <a:noFill/>
+                      <a:prstDash val="solid"/>
+                    </a:lnTlToBr>
+                    <a:lnBlToTr w="12700" cmpd="sng">
+                      <a:noFill/>
+                      <a:prstDash val="solid"/>
+                    </a:lnBlToTr>
+                    <a:noFill/>
+                  </a:tcPr>
+                </a:tc>
+                <a:tc>
+                  <a:txBody>
+                    <a:bodyPr/>
+                    <a:lstStyle/>
+                    <a:p>
+                      <a:pPr algn="ctr">
+                        <a:lnSpc>
+                          <a:spcPct val="100000"/>
+                        </a:lnSpc>
+                        <a:spcAft>
+                          <a:spcPts val="0"/>
+                        </a:spcAft>
+                      </a:pPr>
+                      <a:r>
+                        <a:rPr lang="en-US" sz="1000" b="0" i="0" dirty="0">
+                          <a:effectLst/>
+                          <a:latin typeface="Arial" panose="020B0604020202020204" pitchFamily="34" charset="0"/>
+                          <a:ea typeface="Calibri" panose="020F0502020204030204" pitchFamily="34" charset="0"/>
+                          <a:cs typeface="Arial" panose="020B0604020202020204" pitchFamily="34" charset="0"/>
+                        </a:rPr>
+                        <a:t> </a:t>
+                      </a:r>
+                    </a:p>
+                  </a:txBody>
+                  <a:tcPr marL="58831" marR="58831" marT="0" marB="0">
+                    <a:lnL>
+                      <a:noFill/>
+                    </a:lnL>
+                    <a:lnR w="12700" cap="flat" cmpd="sng" algn="ctr">
+                      <a:noFill/>
+                      <a:prstDash val="solid"/>
+                      <a:round/>
+                      <a:headEnd type="none" w="med" len="med"/>
+                      <a:tailEnd type="none" w="med" len="med"/>
+                    </a:lnR>
+                    <a:lnT>
+                      <a:noFill/>
+                    </a:lnT>
+                    <a:lnB>
+                      <a:noFill/>
+                    </a:lnB>
+                    <a:lnTlToBr w="12700" cmpd="sng">
+                      <a:noFill/>
+                      <a:prstDash val="solid"/>
+                    </a:lnTlToBr>
+                    <a:lnBlToTr w="12700" cmpd="sng">
+                      <a:noFill/>
+                      <a:prstDash val="solid"/>
+                    </a:lnBlToTr>
+                    <a:noFill/>
+                  </a:tcPr>
+                </a:tc>
+                <a:extLst>
+                  <a:ext uri="{0D108BD9-81ED-4DB2-BD59-A6C34878D82A}">
+                    <a16:rowId xmlns:a16="http://schemas.microsoft.com/office/drawing/2014/main" val="4093040639"/>
+                  </a:ext>
+                </a:extLst>
+              </a:tr>
+              <a:tr h="168323">
+                <a:tc>
+                  <a:txBody>
+                    <a:bodyPr/>
+                    <a:lstStyle/>
+                    <a:p>
+                      <a:pPr algn="r">
+                        <a:lnSpc>
+                          <a:spcPct val="100000"/>
+                        </a:lnSpc>
+                        <a:spcAft>
+                          <a:spcPts val="0"/>
+                        </a:spcAft>
+                      </a:pPr>
+                      <a:r>
+                        <a:rPr lang="en-US" sz="1000" b="0" i="0">
+                          <a:effectLst/>
+                          <a:latin typeface="Arial" panose="020B0604020202020204" pitchFamily="34" charset="0"/>
+                          <a:ea typeface="Calibri" panose="020F0502020204030204" pitchFamily="34" charset="0"/>
+                          <a:cs typeface="Arial" panose="020B0604020202020204" pitchFamily="34" charset="0"/>
+                        </a:rPr>
+                        <a:t>400</a:t>
+                      </a:r>
+                    </a:p>
+                  </a:txBody>
+                  <a:tcPr marL="58831" marR="58831" marT="0" marB="0" anchor="ctr">
+                    <a:lnL w="12700" cap="flat" cmpd="sng" algn="ctr">
+                      <a:noFill/>
+                      <a:prstDash val="solid"/>
+                      <a:round/>
+                      <a:headEnd type="none" w="med" len="med"/>
+                      <a:tailEnd type="none" w="med" len="med"/>
+                    </a:lnL>
+                    <a:lnR>
+                      <a:noFill/>
+                    </a:lnR>
+                    <a:lnT>
+                      <a:noFill/>
+                    </a:lnT>
+                    <a:lnB>
+                      <a:noFill/>
+                    </a:lnB>
+                    <a:lnTlToBr w="12700" cmpd="sng">
+                      <a:noFill/>
+                      <a:prstDash val="solid"/>
+                    </a:lnTlToBr>
+                    <a:lnBlToTr w="12700" cmpd="sng">
+                      <a:noFill/>
+                      <a:prstDash val="solid"/>
+                    </a:lnBlToTr>
+                    <a:noFill/>
+                  </a:tcPr>
+                </a:tc>
+                <a:tc>
+                  <a:txBody>
+                    <a:bodyPr/>
+                    <a:lstStyle/>
+                    <a:p>
+                      <a:pPr>
+                        <a:lnSpc>
+                          <a:spcPct val="100000"/>
+                        </a:lnSpc>
+                        <a:spcAft>
+                          <a:spcPts val="0"/>
+                        </a:spcAft>
+                      </a:pPr>
+                      <a:r>
+                        <a:rPr lang="en-US" sz="1000" b="0" i="0" dirty="0">
+                          <a:effectLst/>
+                          <a:latin typeface="Arial" panose="020B0604020202020204" pitchFamily="34" charset="0"/>
+                          <a:ea typeface="Calibri" panose="020F0502020204030204" pitchFamily="34" charset="0"/>
+                          <a:cs typeface="Arial" panose="020B0604020202020204" pitchFamily="34" charset="0"/>
+                        </a:rPr>
+                        <a:t>1kg Rui Fish </a:t>
+                      </a:r>
+                    </a:p>
+                  </a:txBody>
+                  <a:tcPr marL="58831" marR="58831" marT="0" marB="0">
+                    <a:lnL>
+                      <a:noFill/>
+                    </a:lnL>
+                    <a:lnR w="12700" cap="flat" cmpd="sng" algn="ctr">
+                      <a:noFill/>
+                      <a:prstDash val="solid"/>
+                      <a:round/>
+                      <a:headEnd type="none" w="med" len="med"/>
+                      <a:tailEnd type="none" w="med" len="med"/>
+                    </a:lnR>
+                    <a:lnT>
+                      <a:noFill/>
+                    </a:lnT>
+                    <a:lnB>
+                      <a:noFill/>
+                    </a:lnB>
+                    <a:lnTlToBr w="12700" cmpd="sng">
+                      <a:noFill/>
+                      <a:prstDash val="solid"/>
+                    </a:lnTlToBr>
+                    <a:lnBlToTr w="12700" cmpd="sng">
+                      <a:noFill/>
+                      <a:prstDash val="solid"/>
+                    </a:lnBlToTr>
+                    <a:noFill/>
+                  </a:tcPr>
+                </a:tc>
+                <a:extLst>
+                  <a:ext uri="{0D108BD9-81ED-4DB2-BD59-A6C34878D82A}">
+                    <a16:rowId xmlns:a16="http://schemas.microsoft.com/office/drawing/2014/main" val="701159768"/>
+                  </a:ext>
+                </a:extLst>
+              </a:tr>
+              <a:tr h="168323">
+                <a:tc>
+                  <a:txBody>
+                    <a:bodyPr/>
+                    <a:lstStyle/>
+                    <a:p>
+                      <a:pPr algn="r">
+                        <a:lnSpc>
+                          <a:spcPct val="100000"/>
+                        </a:lnSpc>
+                        <a:spcAft>
+                          <a:spcPts val="0"/>
+                        </a:spcAft>
+                      </a:pPr>
+                      <a:r>
+                        <a:rPr lang="en-US" sz="1000" b="0" i="0">
+                          <a:effectLst/>
+                          <a:latin typeface="Arial" panose="020B0604020202020204" pitchFamily="34" charset="0"/>
+                          <a:ea typeface="Calibri" panose="020F0502020204030204" pitchFamily="34" charset="0"/>
+                          <a:cs typeface="Arial" panose="020B0604020202020204" pitchFamily="34" charset="0"/>
+                        </a:rPr>
+                        <a:t>450</a:t>
+                      </a:r>
+                      <a:endParaRPr lang="en-US" sz="1000" b="0" i="0" dirty="0">
+                        <a:effectLst/>
+                        <a:latin typeface="Arial" panose="020B0604020202020204" pitchFamily="34" charset="0"/>
+                        <a:ea typeface="Calibri" panose="020F0502020204030204" pitchFamily="34" charset="0"/>
+                        <a:cs typeface="Arial" panose="020B0604020202020204" pitchFamily="34" charset="0"/>
+                      </a:endParaRPr>
+                    </a:p>
+                  </a:txBody>
+                  <a:tcPr marL="58831" marR="58831" marT="0" marB="0" anchor="ctr">
+                    <a:lnL w="12700" cap="flat" cmpd="sng" algn="ctr">
+                      <a:noFill/>
+                      <a:prstDash val="solid"/>
+                      <a:round/>
+                      <a:headEnd type="none" w="med" len="med"/>
+                      <a:tailEnd type="none" w="med" len="med"/>
+                    </a:lnL>
+                    <a:lnR>
+                      <a:noFill/>
+                    </a:lnR>
+                    <a:lnT>
+                      <a:noFill/>
+                    </a:lnT>
+                    <a:lnB>
+                      <a:noFill/>
+                    </a:lnB>
+                    <a:lnTlToBr w="12700" cmpd="sng">
+                      <a:noFill/>
+                      <a:prstDash val="solid"/>
+                    </a:lnTlToBr>
+                    <a:lnBlToTr w="12700" cmpd="sng">
+                      <a:noFill/>
+                      <a:prstDash val="solid"/>
+                    </a:lnBlToTr>
+                    <a:noFill/>
+                  </a:tcPr>
+                </a:tc>
+                <a:tc>
+                  <a:txBody>
+                    <a:bodyPr/>
+                    <a:lstStyle/>
+                    <a:p>
+                      <a:pPr>
+                        <a:lnSpc>
+                          <a:spcPct val="100000"/>
+                        </a:lnSpc>
+                        <a:spcAft>
+                          <a:spcPts val="0"/>
+                        </a:spcAft>
+                      </a:pPr>
+                      <a:r>
+                        <a:rPr lang="en-US" sz="1000" b="0" i="0" dirty="0">
+                          <a:effectLst/>
+                          <a:latin typeface="Arial" panose="020B0604020202020204" pitchFamily="34" charset="0"/>
+                          <a:ea typeface="Calibri" panose="020F0502020204030204" pitchFamily="34" charset="0"/>
+                          <a:cs typeface="Arial" panose="020B0604020202020204" pitchFamily="34" charset="0"/>
+                        </a:rPr>
+                        <a:t> </a:t>
+                      </a:r>
+                    </a:p>
+                  </a:txBody>
+                  <a:tcPr marL="58831" marR="58831" marT="0" marB="0">
+                    <a:lnL>
+                      <a:noFill/>
+                    </a:lnL>
+                    <a:lnR w="12700" cap="flat" cmpd="sng" algn="ctr">
+                      <a:noFill/>
+                      <a:prstDash val="solid"/>
+                      <a:round/>
+                      <a:headEnd type="none" w="med" len="med"/>
+                      <a:tailEnd type="none" w="med" len="med"/>
+                    </a:lnR>
+                    <a:lnT>
+                      <a:noFill/>
+                    </a:lnT>
+                    <a:lnB>
+                      <a:noFill/>
+                    </a:lnB>
+                    <a:lnTlToBr w="12700" cmpd="sng">
+                      <a:noFill/>
+                      <a:prstDash val="solid"/>
+                    </a:lnTlToBr>
+                    <a:lnBlToTr w="12700" cmpd="sng">
+                      <a:noFill/>
+                      <a:prstDash val="solid"/>
+                    </a:lnBlToTr>
+                    <a:noFill/>
+                  </a:tcPr>
+                </a:tc>
+                <a:extLst>
+                  <a:ext uri="{0D108BD9-81ED-4DB2-BD59-A6C34878D82A}">
+                    <a16:rowId xmlns:a16="http://schemas.microsoft.com/office/drawing/2014/main" val="2597089557"/>
+                  </a:ext>
+                </a:extLst>
+              </a:tr>
+              <a:tr h="168323">
+                <a:tc>
+                  <a:txBody>
+                    <a:bodyPr/>
+                    <a:lstStyle/>
+                    <a:p>
+                      <a:pPr algn="r">
+                        <a:lnSpc>
+                          <a:spcPct val="100000"/>
+                        </a:lnSpc>
+                        <a:spcAft>
+                          <a:spcPts val="0"/>
+                        </a:spcAft>
+                      </a:pPr>
+                      <a:r>
+                        <a:rPr lang="en-US" sz="1000" b="0" i="0" dirty="0">
+                          <a:effectLst/>
+                          <a:latin typeface="Arial" panose="020B0604020202020204" pitchFamily="34" charset="0"/>
+                          <a:ea typeface="Calibri" panose="020F0502020204030204" pitchFamily="34" charset="0"/>
+                          <a:cs typeface="Arial" panose="020B0604020202020204" pitchFamily="34" charset="0"/>
+                        </a:rPr>
+                        <a:t>500</a:t>
+                      </a:r>
+                    </a:p>
+                  </a:txBody>
+                  <a:tcPr marL="58831" marR="58831" marT="0" marB="0" anchor="ctr">
+                    <a:lnL w="12700" cap="flat" cmpd="sng" algn="ctr">
+                      <a:noFill/>
+                      <a:prstDash val="solid"/>
+                      <a:round/>
+                      <a:headEnd type="none" w="med" len="med"/>
+                      <a:tailEnd type="none" w="med" len="med"/>
+                    </a:lnL>
+                    <a:lnR>
+                      <a:noFill/>
+                    </a:lnR>
+                    <a:lnT>
+                      <a:noFill/>
+                    </a:lnT>
+                    <a:lnB>
+                      <a:noFill/>
+                    </a:lnB>
+                    <a:lnTlToBr w="12700" cmpd="sng">
+                      <a:noFill/>
+                      <a:prstDash val="solid"/>
+                    </a:lnTlToBr>
+                    <a:lnBlToTr w="12700" cmpd="sng">
+                      <a:noFill/>
+                      <a:prstDash val="solid"/>
+                    </a:lnBlToTr>
+                    <a:noFill/>
+                  </a:tcPr>
+                </a:tc>
+                <a:tc>
+                  <a:txBody>
+                    <a:bodyPr/>
+                    <a:lstStyle/>
+                    <a:p>
+                      <a:pPr>
+                        <a:lnSpc>
+                          <a:spcPct val="100000"/>
+                        </a:lnSpc>
+                        <a:spcAft>
+                          <a:spcPts val="0"/>
+                        </a:spcAft>
+                      </a:pPr>
+                      <a:r>
+                        <a:rPr lang="en-US" sz="1000" b="0" i="0" dirty="0">
+                          <a:effectLst/>
+                          <a:latin typeface="Arial" panose="020B0604020202020204" pitchFamily="34" charset="0"/>
+                          <a:ea typeface="Calibri" panose="020F0502020204030204" pitchFamily="34" charset="0"/>
+                          <a:cs typeface="Arial" panose="020B0604020202020204" pitchFamily="34" charset="0"/>
+                        </a:rPr>
+                        <a:t>400g Butter oil</a:t>
+                      </a:r>
+                    </a:p>
+                  </a:txBody>
+                  <a:tcPr marL="58831" marR="58831" marT="0" marB="0">
+                    <a:lnL>
+                      <a:noFill/>
+                    </a:lnL>
+                    <a:lnR w="12700" cap="flat" cmpd="sng" algn="ctr">
+                      <a:noFill/>
+                      <a:prstDash val="solid"/>
+                      <a:round/>
+                      <a:headEnd type="none" w="med" len="med"/>
+                      <a:tailEnd type="none" w="med" len="med"/>
+                    </a:lnR>
+                    <a:lnT>
+                      <a:noFill/>
+                    </a:lnT>
+                    <a:lnB>
+                      <a:noFill/>
+                    </a:lnB>
+                    <a:lnTlToBr w="12700" cmpd="sng">
+                      <a:noFill/>
+                      <a:prstDash val="solid"/>
+                    </a:lnTlToBr>
+                    <a:lnBlToTr w="12700" cmpd="sng">
+                      <a:noFill/>
+                      <a:prstDash val="solid"/>
+                    </a:lnBlToTr>
+                    <a:noFill/>
+                  </a:tcPr>
+                </a:tc>
+                <a:extLst>
+                  <a:ext uri="{0D108BD9-81ED-4DB2-BD59-A6C34878D82A}">
+                    <a16:rowId xmlns:a16="http://schemas.microsoft.com/office/drawing/2014/main" val="2717426986"/>
+                  </a:ext>
+                </a:extLst>
+              </a:tr>
+              <a:tr h="168323">
+                <a:tc>
+                  <a:txBody>
+                    <a:bodyPr/>
+                    <a:lstStyle/>
+                    <a:p>
+                      <a:pPr algn="r">
+                        <a:lnSpc>
+                          <a:spcPct val="100000"/>
+                        </a:lnSpc>
+                        <a:spcAft>
+                          <a:spcPts val="0"/>
+                        </a:spcAft>
+                      </a:pPr>
+                      <a:r>
+                        <a:rPr lang="en-US" sz="1000" b="0" i="0" dirty="0">
+                          <a:effectLst/>
+                          <a:latin typeface="Arial" panose="020B0604020202020204" pitchFamily="34" charset="0"/>
+                          <a:ea typeface="Calibri" panose="020F0502020204030204" pitchFamily="34" charset="0"/>
+                          <a:cs typeface="Arial" panose="020B0604020202020204" pitchFamily="34" charset="0"/>
+                        </a:rPr>
+                        <a:t>600</a:t>
+                      </a:r>
+                    </a:p>
+                  </a:txBody>
+                  <a:tcPr marL="58831" marR="58831" marT="0" marB="0" anchor="ctr">
+                    <a:lnL w="12700" cap="flat" cmpd="sng" algn="ctr">
+                      <a:noFill/>
+                      <a:prstDash val="solid"/>
+                      <a:round/>
+                      <a:headEnd type="none" w="med" len="med"/>
+                      <a:tailEnd type="none" w="med" len="med"/>
+                    </a:lnL>
+                    <a:lnR>
+                      <a:noFill/>
+                    </a:lnR>
+                    <a:lnT>
+                      <a:noFill/>
+                    </a:lnT>
+                    <a:lnB>
+                      <a:noFill/>
+                    </a:lnB>
+                    <a:lnTlToBr w="12700" cmpd="sng">
+                      <a:noFill/>
+                      <a:prstDash val="solid"/>
+                    </a:lnTlToBr>
+                    <a:lnBlToTr w="12700" cmpd="sng">
+                      <a:noFill/>
+                      <a:prstDash val="solid"/>
+                    </a:lnBlToTr>
+                    <a:noFill/>
+                  </a:tcPr>
+                </a:tc>
+                <a:tc rowSpan="2">
+                  <a:txBody>
+                    <a:bodyPr/>
+                    <a:lstStyle/>
+                    <a:p>
+                      <a:pPr algn="ctr">
+                        <a:lnSpc>
+                          <a:spcPct val="100000"/>
+                        </a:lnSpc>
+                        <a:spcAft>
+                          <a:spcPts val="0"/>
+                        </a:spcAft>
+                      </a:pPr>
+                      <a:r>
+                        <a:rPr lang="en-US" sz="1000" b="0" i="0" dirty="0">
+                          <a:effectLst/>
+                          <a:latin typeface="Arial" panose="020B0604020202020204" pitchFamily="34" charset="0"/>
+                          <a:ea typeface="Calibri" panose="020F0502020204030204" pitchFamily="34" charset="0"/>
+                          <a:cs typeface="Arial" panose="020B0604020202020204" pitchFamily="34" charset="0"/>
+                        </a:rPr>
+                        <a:t> </a:t>
+                      </a:r>
+                    </a:p>
+                    <a:p>
+                      <a:pPr algn="ctr">
+                        <a:lnSpc>
+                          <a:spcPct val="100000"/>
+                        </a:lnSpc>
+                        <a:spcAft>
+                          <a:spcPts val="0"/>
+                        </a:spcAft>
+                      </a:pPr>
+                      <a:r>
+                        <a:rPr lang="en-US" sz="1000" b="0" i="0" dirty="0">
+                          <a:effectLst/>
+                          <a:latin typeface="Arial" panose="020B0604020202020204" pitchFamily="34" charset="0"/>
+                          <a:ea typeface="Calibri" panose="020F0502020204030204" pitchFamily="34" charset="0"/>
+                          <a:cs typeface="Arial" panose="020B0604020202020204" pitchFamily="34" charset="0"/>
+                        </a:rPr>
+                        <a:t>1kg Barbel(Shing) Fish</a:t>
+                      </a:r>
+                    </a:p>
+                    <a:p>
+                      <a:pPr>
+                        <a:lnSpc>
+                          <a:spcPct val="100000"/>
+                        </a:lnSpc>
+                        <a:spcAft>
+                          <a:spcPts val="0"/>
+                        </a:spcAft>
+                      </a:pPr>
+                      <a:r>
+                        <a:rPr lang="en-US" sz="1000" b="0" i="0" dirty="0">
+                          <a:effectLst/>
+                          <a:latin typeface="Arial" panose="020B0604020202020204" pitchFamily="34" charset="0"/>
+                          <a:ea typeface="Calibri" panose="020F0502020204030204" pitchFamily="34" charset="0"/>
+                          <a:cs typeface="Arial" panose="020B0604020202020204" pitchFamily="34" charset="0"/>
+                        </a:rPr>
+                        <a:t> </a:t>
+                      </a:r>
+                    </a:p>
+                  </a:txBody>
+                  <a:tcPr marL="58831" marR="58831" marT="0" marB="0">
+                    <a:lnL>
+                      <a:noFill/>
+                    </a:lnL>
+                    <a:lnR w="12700" cap="flat" cmpd="sng" algn="ctr">
+                      <a:noFill/>
+                      <a:prstDash val="solid"/>
+                      <a:round/>
+                      <a:headEnd type="none" w="med" len="med"/>
+                      <a:tailEnd type="none" w="med" len="med"/>
+                    </a:lnR>
+                    <a:lnT>
+                      <a:noFill/>
+                    </a:lnT>
+                    <a:lnB>
+                      <a:noFill/>
+                    </a:lnB>
+                    <a:lnTlToBr w="12700" cmpd="sng">
+                      <a:noFill/>
+                      <a:prstDash val="solid"/>
+                    </a:lnTlToBr>
+                    <a:lnBlToTr w="12700" cmpd="sng">
+                      <a:noFill/>
+                      <a:prstDash val="solid"/>
+                    </a:lnBlToTr>
+                    <a:noFill/>
+                  </a:tcPr>
+                </a:tc>
+                <a:extLst>
+                  <a:ext uri="{0D108BD9-81ED-4DB2-BD59-A6C34878D82A}">
+                    <a16:rowId xmlns:a16="http://schemas.microsoft.com/office/drawing/2014/main" val="1434783992"/>
+                  </a:ext>
+                </a:extLst>
+              </a:tr>
+              <a:tr h="492440">
+                <a:tc>
+                  <a:txBody>
+                    <a:bodyPr/>
+                    <a:lstStyle/>
+                    <a:p>
+                      <a:pPr algn="r">
+                        <a:lnSpc>
+                          <a:spcPct val="100000"/>
+                        </a:lnSpc>
+                        <a:spcAft>
+                          <a:spcPts val="0"/>
+                        </a:spcAft>
+                      </a:pPr>
+                      <a:r>
+                        <a:rPr lang="en-US" sz="1000" b="0" i="0" dirty="0">
+                          <a:effectLst/>
+                          <a:latin typeface="Arial" panose="020B0604020202020204" pitchFamily="34" charset="0"/>
+                          <a:ea typeface="Calibri" panose="020F0502020204030204" pitchFamily="34" charset="0"/>
+                          <a:cs typeface="Arial" panose="020B0604020202020204" pitchFamily="34" charset="0"/>
+                        </a:rPr>
+                        <a:t>700</a:t>
+                      </a:r>
+                    </a:p>
+                    <a:p>
+                      <a:pPr algn="r">
+                        <a:lnSpc>
+                          <a:spcPct val="100000"/>
+                        </a:lnSpc>
+                        <a:spcAft>
+                          <a:spcPts val="0"/>
+                        </a:spcAft>
+                      </a:pPr>
+                      <a:r>
+                        <a:rPr lang="en-US" sz="1000" b="0" i="0" dirty="0">
+                          <a:effectLst/>
+                          <a:latin typeface="Arial" panose="020B0604020202020204" pitchFamily="34" charset="0"/>
+                          <a:ea typeface="Calibri" panose="020F0502020204030204" pitchFamily="34" charset="0"/>
+                          <a:cs typeface="Arial" panose="020B0604020202020204" pitchFamily="34" charset="0"/>
+                        </a:rPr>
+                        <a:t>800</a:t>
+                      </a:r>
+                    </a:p>
+                  </a:txBody>
+                  <a:tcPr marL="58831" marR="58831" marT="0" marB="0" anchor="ctr">
+                    <a:lnL w="12700" cap="flat" cmpd="sng" algn="ctr">
+                      <a:noFill/>
+                      <a:prstDash val="solid"/>
+                      <a:round/>
+                      <a:headEnd type="none" w="med" len="med"/>
+                      <a:tailEnd type="none" w="med" len="med"/>
+                    </a:lnL>
+                    <a:lnR>
+                      <a:noFill/>
+                    </a:lnR>
+                    <a:lnT>
+                      <a:noFill/>
+                    </a:lnT>
+                    <a:lnB>
+                      <a:noFill/>
+                    </a:lnB>
+                    <a:lnTlToBr w="12700" cmpd="sng">
+                      <a:noFill/>
+                      <a:prstDash val="solid"/>
+                    </a:lnTlToBr>
+                    <a:lnBlToTr w="12700" cmpd="sng">
+                      <a:noFill/>
+                      <a:prstDash val="solid"/>
+                    </a:lnBlToTr>
+                    <a:noFill/>
+                  </a:tcPr>
+                </a:tc>
+                <a:tc vMerge="1">
+                  <a:txBody>
+                    <a:bodyPr/>
+                    <a:lstStyle/>
+                    <a:p>
+                      <a:endParaRPr lang="en-US"/>
+                    </a:p>
+                  </a:txBody>
+                  <a:tcPr/>
+                </a:tc>
+                <a:extLst>
+                  <a:ext uri="{0D108BD9-81ED-4DB2-BD59-A6C34878D82A}">
+                    <a16:rowId xmlns:a16="http://schemas.microsoft.com/office/drawing/2014/main" val="1078780791"/>
+                  </a:ext>
+                </a:extLst>
+              </a:tr>
+              <a:tr h="168323">
+                <a:tc gridSpan="2">
+                  <a:txBody>
+                    <a:bodyPr/>
+                    <a:lstStyle/>
+                    <a:p>
+                      <a:pPr algn="ctr">
+                        <a:lnSpc>
+                          <a:spcPct val="100000"/>
+                        </a:lnSpc>
+                        <a:spcAft>
+                          <a:spcPts val="0"/>
+                        </a:spcAft>
+                      </a:pPr>
+                      <a:r>
+                        <a:rPr lang="en-US" sz="1000" b="0" i="0" dirty="0">
+                          <a:effectLst/>
+                          <a:latin typeface="Arial" panose="020B0604020202020204" pitchFamily="34" charset="0"/>
+                          <a:ea typeface="Calibri" panose="020F0502020204030204" pitchFamily="34" charset="0"/>
+                          <a:cs typeface="Arial" panose="020B0604020202020204" pitchFamily="34" charset="0"/>
+                        </a:rPr>
+                        <a:t>more than the amounts on the card</a:t>
+                      </a:r>
+                    </a:p>
+                  </a:txBody>
+                  <a:tcPr marL="58831" marR="58831" marT="0" marB="0" anchor="ctr">
+                    <a:lnL w="12700" cap="flat" cmpd="sng" algn="ctr">
+                      <a:noFill/>
+                      <a:prstDash val="solid"/>
+                      <a:round/>
+                      <a:headEnd type="none" w="med" len="med"/>
+                      <a:tailEnd type="none" w="med" len="med"/>
+                    </a:lnL>
+                    <a:lnR w="12700" cap="flat" cmpd="sng" algn="ctr">
+                      <a:noFill/>
+                      <a:prstDash val="solid"/>
+                      <a:round/>
+                      <a:headEnd type="none" w="med" len="med"/>
+                      <a:tailEnd type="none" w="med" len="med"/>
+                    </a:lnR>
+                    <a:lnT>
+                      <a:noFill/>
+                    </a:lnT>
+                    <a:lnB w="12700" cap="flat" cmpd="sng" algn="ctr">
+                      <a:solidFill>
+                        <a:schemeClr val="tx1"/>
+                      </a:solidFill>
+                      <a:prstDash val="solid"/>
+                      <a:round/>
+                      <a:headEnd type="none" w="med" len="med"/>
+                      <a:tailEnd type="none" w="med" len="med"/>
+                    </a:lnB>
+                    <a:lnTlToBr w="12700" cmpd="sng">
+                      <a:noFill/>
+                      <a:prstDash val="solid"/>
+                    </a:lnTlToBr>
+                    <a:lnBlToTr w="12700" cmpd="sng">
+                      <a:noFill/>
+                      <a:prstDash val="solid"/>
+                    </a:lnBlToTr>
+                    <a:noFill/>
+                  </a:tcPr>
+                </a:tc>
+                <a:tc hMerge="1">
+                  <a:txBody>
+                    <a:bodyPr/>
+                    <a:lstStyle/>
+                    <a:p>
+                      <a:endParaRPr lang="en-US"/>
+                    </a:p>
+                  </a:txBody>
+                  <a:tcPr/>
+                </a:tc>
+                <a:extLst>
+                  <a:ext uri="{0D108BD9-81ED-4DB2-BD59-A6C34878D82A}">
+                    <a16:rowId xmlns:a16="http://schemas.microsoft.com/office/drawing/2014/main" val="2106047890"/>
+                  </a:ext>
+                </a:extLst>
+              </a:tr>
+            </a:tbl>
+          </a:graphicData>
+        </a:graphic>
+      </p:graphicFrame>
     </p:spTree>
     <p:extLst>
       <p:ext uri="{BB962C8B-B14F-4D97-AF65-F5344CB8AC3E}">
-        <p14:creationId xmlns:p14="http://schemas.microsoft.com/office/powerpoint/2010/main" val="1801073323"/>
-      </p:ext>
-    </p:extLst>
-  </p:cSld>
-  <p:clrMapOvr>
-    <a:masterClrMapping/>
-  </p:clrMapOvr>
-</p:sld>
-</file>
-
-<file path=ppt/slides/slide3.xml><?xml version="1.0" encoding="utf-8"?>
-<p:sld xmlns:a="http://schemas.openxmlformats.org/drawingml/2006/main" xmlns:r="http://schemas.openxmlformats.org/officeDocument/2006/relationships" xmlns:p="http://schemas.openxmlformats.org/presentationml/2006/main">
-  <p:cSld>
-    <p:spTree>
-      <p:nvGrpSpPr>
-        <p:cNvPr id="1" name=""/>
-        <p:cNvGrpSpPr/>
-        <p:nvPr/>
-      </p:nvGrpSpPr>
-      <p:grpSpPr>
-        <a:xfrm>
-          <a:off x="0" y="0"/>
-          <a:ext cx="0" cy="0"/>
-          <a:chOff x="0" y="0"/>
-          <a:chExt cx="0" cy="0"/>
-        </a:xfrm>
-      </p:grpSpPr>
-      <p:pic>
-        <p:nvPicPr>
-          <p:cNvPr id="2" name="Grafik 1">
-            <a:extLst>
-              <a:ext uri="{FF2B5EF4-FFF2-40B4-BE49-F238E27FC236}">
-                <a16:creationId xmlns:a16="http://schemas.microsoft.com/office/drawing/2014/main" id="{CEBDEB5B-76C3-476F-A3A6-95FE81E7BA76}"/>
-              </a:ext>
-            </a:extLst>
-          </p:cNvPr>
-          <p:cNvPicPr>
-            <a:picLocks noChangeAspect="1"/>
-          </p:cNvPicPr>
-          <p:nvPr/>
-        </p:nvPicPr>
-        <p:blipFill>
-          <a:blip r:embed="rId2">
-            <a:extLst>
-              <a:ext uri="{28A0092B-C50C-407E-A947-70E740481C1C}">
-                <a14:useLocalDpi xmlns:a14="http://schemas.microsoft.com/office/drawing/2010/main" val="0"/>
-              </a:ext>
-            </a:extLst>
-          </a:blip>
-          <a:stretch>
-            <a:fillRect/>
-          </a:stretch>
-        </p:blipFill>
-        <p:spPr>
-          <a:xfrm>
-            <a:off x="1658922" y="2114767"/>
-            <a:ext cx="4320000" cy="3131370"/>
-          </a:xfrm>
-          <a:prstGeom prst="rect">
-            <a:avLst/>
-          </a:prstGeom>
-        </p:spPr>
-      </p:pic>
-      <p:sp>
-        <p:nvSpPr>
-          <p:cNvPr id="3" name="Textfeld 2">
-            <a:extLst>
-              <a:ext uri="{FF2B5EF4-FFF2-40B4-BE49-F238E27FC236}">
-                <a16:creationId xmlns:a16="http://schemas.microsoft.com/office/drawing/2014/main" id="{08CC8D4F-2AE5-0142-AB6D-99C26D0A933D}"/>
-              </a:ext>
-            </a:extLst>
-          </p:cNvPr>
-          <p:cNvSpPr txBox="1"/>
-          <p:nvPr/>
-        </p:nvSpPr>
-        <p:spPr>
-          <a:xfrm>
-            <a:off x="1658922" y="1545881"/>
-            <a:ext cx="4320000" cy="338554"/>
-          </a:xfrm>
-          <a:prstGeom prst="rect">
-            <a:avLst/>
-          </a:prstGeom>
-          <a:noFill/>
-        </p:spPr>
-        <p:txBody>
-          <a:bodyPr wrap="square" rtlCol="0">
-            <a:spAutoFit/>
-          </a:bodyPr>
-          <a:lstStyle/>
-          <a:p>
-            <a:r>
-              <a:rPr lang="en-US" sz="1600" b="1" dirty="0">
-                <a:latin typeface="Times New Roman" panose="02020603050405020304" pitchFamily="18" charset="0"/>
-                <a:cs typeface="Times New Roman" panose="02020603050405020304" pitchFamily="18" charset="0"/>
-              </a:rPr>
-              <a:t>A: </a:t>
-            </a:r>
-            <a:r>
-              <a:rPr lang="en-US" sz="1600" dirty="0">
-                <a:latin typeface="Times New Roman" panose="02020603050405020304" pitchFamily="18" charset="0"/>
-                <a:cs typeface="Times New Roman" panose="02020603050405020304" pitchFamily="18" charset="0"/>
-              </a:rPr>
-              <a:t>Development budget spending in 2018</a:t>
-            </a:r>
-          </a:p>
-        </p:txBody>
-      </p:sp>
-      <p:sp>
-        <p:nvSpPr>
-          <p:cNvPr id="4" name="Textfeld 3">
-            <a:extLst>
-              <a:ext uri="{FF2B5EF4-FFF2-40B4-BE49-F238E27FC236}">
-                <a16:creationId xmlns:a16="http://schemas.microsoft.com/office/drawing/2014/main" id="{2AE2A39F-C40E-E029-B0EA-5E6AC08C19E8}"/>
-              </a:ext>
-            </a:extLst>
-          </p:cNvPr>
-          <p:cNvSpPr txBox="1"/>
-          <p:nvPr/>
-        </p:nvSpPr>
-        <p:spPr>
-          <a:xfrm>
-            <a:off x="6096000" y="1545881"/>
-            <a:ext cx="4320540" cy="584775"/>
-          </a:xfrm>
-          <a:prstGeom prst="rect">
-            <a:avLst/>
-          </a:prstGeom>
-          <a:noFill/>
-        </p:spPr>
-        <p:txBody>
-          <a:bodyPr wrap="square" rtlCol="0">
-            <a:spAutoFit/>
-          </a:bodyPr>
-          <a:lstStyle/>
-          <a:p>
-            <a:pPr algn="ctr"/>
-            <a:r>
-              <a:rPr lang="en-US" sz="1600" b="1" dirty="0">
-                <a:latin typeface="Times New Roman" panose="02020603050405020304" pitchFamily="18" charset="0"/>
-                <a:cs typeface="Times New Roman" panose="02020603050405020304" pitchFamily="18" charset="0"/>
-              </a:rPr>
-              <a:t>B: </a:t>
-            </a:r>
-            <a:r>
-              <a:rPr lang="en-US" sz="1600" dirty="0">
-                <a:latin typeface="Times New Roman" panose="02020603050405020304" pitchFamily="18" charset="0"/>
-                <a:cs typeface="Times New Roman" panose="02020603050405020304" pitchFamily="18" charset="0"/>
-              </a:rPr>
-              <a:t>Increases in budget spending on Environment &amp; Disaster management</a:t>
-            </a:r>
-          </a:p>
-        </p:txBody>
-      </p:sp>
-      <p:pic>
-        <p:nvPicPr>
-          <p:cNvPr id="6" name="Grafik 5" descr="Ein Bild, das Text, Screenshot, Diagramm, Reihe enthält.&#10;&#10;Automatisch generierte Beschreibung">
-            <a:extLst>
-              <a:ext uri="{FF2B5EF4-FFF2-40B4-BE49-F238E27FC236}">
-                <a16:creationId xmlns:a16="http://schemas.microsoft.com/office/drawing/2014/main" id="{81A0ABC9-BEFA-C07D-6F3E-719228FFE160}"/>
-              </a:ext>
-            </a:extLst>
-          </p:cNvPr>
-          <p:cNvPicPr>
-            <a:picLocks noChangeAspect="1"/>
-          </p:cNvPicPr>
-          <p:nvPr/>
-        </p:nvPicPr>
-        <p:blipFill>
-          <a:blip r:embed="rId3">
-            <a:extLst>
-              <a:ext uri="{28A0092B-C50C-407E-A947-70E740481C1C}">
-                <a14:useLocalDpi xmlns:a14="http://schemas.microsoft.com/office/drawing/2010/main" val="0"/>
-              </a:ext>
-            </a:extLst>
-          </a:blip>
-          <a:stretch>
-            <a:fillRect/>
-          </a:stretch>
-        </p:blipFill>
-        <p:spPr>
-          <a:xfrm>
-            <a:off x="6096000" y="2114767"/>
-            <a:ext cx="4320540" cy="3197352"/>
-          </a:xfrm>
-          <a:prstGeom prst="rect">
-            <a:avLst/>
-          </a:prstGeom>
-        </p:spPr>
-      </p:pic>
-    </p:spTree>
-    <p:extLst>
-      <p:ext uri="{BB962C8B-B14F-4D97-AF65-F5344CB8AC3E}">
-        <p14:creationId xmlns:p14="http://schemas.microsoft.com/office/powerpoint/2010/main" val="2735071757"/>
+        <p14:creationId xmlns:p14="http://schemas.microsoft.com/office/powerpoint/2010/main" val="2519461264"/>
       </p:ext>
     </p:extLst>
   </p:cSld>
